--- a/ゼミ1/j13/1342082.pptx
+++ b/ゼミ1/j13/1342082.pptx
@@ -5,22 +5,20 @@
     <p:sldMasterId id="2147483714" r:id="rId1"/>
   </p:sldMasterIdLst>
   <p:notesMasterIdLst>
-    <p:notesMasterId r:id="rId12"/>
+    <p:notesMasterId r:id="rId10"/>
   </p:notesMasterIdLst>
   <p:handoutMasterIdLst>
-    <p:handoutMasterId r:id="rId13"/>
+    <p:handoutMasterId r:id="rId11"/>
   </p:handoutMasterIdLst>
   <p:sldIdLst>
     <p:sldId id="256" r:id="rId2"/>
     <p:sldId id="272" r:id="rId3"/>
     <p:sldId id="261" r:id="rId4"/>
-    <p:sldId id="262" r:id="rId5"/>
-    <p:sldId id="258" r:id="rId6"/>
-    <p:sldId id="263" r:id="rId7"/>
-    <p:sldId id="264" r:id="rId8"/>
-    <p:sldId id="270" r:id="rId9"/>
-    <p:sldId id="269" r:id="rId10"/>
-    <p:sldId id="271" r:id="rId11"/>
+    <p:sldId id="258" r:id="rId5"/>
+    <p:sldId id="263" r:id="rId6"/>
+    <p:sldId id="264" r:id="rId7"/>
+    <p:sldId id="269" r:id="rId8"/>
+    <p:sldId id="271" r:id="rId9"/>
   </p:sldIdLst>
   <p:sldSz cx="12192000" cy="6858000"/>
   <p:notesSz cx="6735763" cy="9869488"/>
@@ -121,7 +119,7 @@
   </p:defaultTextStyle>
   <p:extLst>
     <p:ext uri="{EFAFB233-063F-42B5-8137-9DF3F51BA10A}">
-      <p15:sldGuideLst xmlns:p15="http://schemas.microsoft.com/office/powerpoint/2012/main" xmlns="">
+      <p15:sldGuideLst xmlns:p15="http://schemas.microsoft.com/office/powerpoint/2012/main">
         <p15:guide id="1" orient="horz" pos="2160">
           <p15:clr>
             <a:srgbClr val="A4A3A4"/>
@@ -220,7 +218,7 @@
           <a:p>
             <a:fld id="{5A7FE297-AC44-47CF-9B1C-7BE84A4C1C33}" type="datetimeFigureOut">
               <a:rPr kumimoji="1" lang="ja-JP" altLang="en-US" smtClean="0"/>
-              <a:t>2015/6/10</a:t>
+              <a:t>2015/6/11</a:t>
             </a:fld>
             <a:endParaRPr kumimoji="1" lang="ja-JP" altLang="en-US"/>
           </a:p>
@@ -385,7 +383,7 @@
           <a:p>
             <a:fld id="{9F19A621-E157-42C2-8C3B-253FBD15FDBF}" type="datetimeFigureOut">
               <a:rPr kumimoji="1" lang="ja-JP" altLang="en-US" smtClean="0"/>
-              <a:t>2015/6/10</a:t>
+              <a:t>2015/6/11</a:t>
             </a:fld>
             <a:endParaRPr kumimoji="1" lang="ja-JP" altLang="en-US"/>
           </a:p>
@@ -769,6 +767,410 @@
 </p:notes>
 </file>
 
+<file path=ppt/notesSlides/notesSlide2.xml><?xml version="1.0" encoding="utf-8"?>
+<p:notes xmlns:a="http://schemas.openxmlformats.org/drawingml/2006/main" xmlns:r="http://schemas.openxmlformats.org/officeDocument/2006/relationships" xmlns:p="http://schemas.openxmlformats.org/presentationml/2006/main">
+  <p:cSld>
+    <p:spTree>
+      <p:nvGrpSpPr>
+        <p:cNvPr id="1" name=""/>
+        <p:cNvGrpSpPr/>
+        <p:nvPr/>
+      </p:nvGrpSpPr>
+      <p:grpSpPr>
+        <a:xfrm>
+          <a:off x="0" y="0"/>
+          <a:ext cx="0" cy="0"/>
+          <a:chOff x="0" y="0"/>
+          <a:chExt cx="0" cy="0"/>
+        </a:xfrm>
+      </p:grpSpPr>
+      <p:sp>
+        <p:nvSpPr>
+          <p:cNvPr id="2" name="スライド イメージ プレースホルダー 1"/>
+          <p:cNvSpPr>
+            <a:spLocks noGrp="1" noRot="1" noChangeAspect="1"/>
+          </p:cNvSpPr>
+          <p:nvPr>
+            <p:ph type="sldImg"/>
+          </p:nvPr>
+        </p:nvSpPr>
+        <p:spPr/>
+      </p:sp>
+      <p:sp>
+        <p:nvSpPr>
+          <p:cNvPr id="3" name="ノート プレースホルダー 2"/>
+          <p:cNvSpPr>
+            <a:spLocks noGrp="1"/>
+          </p:cNvSpPr>
+          <p:nvPr>
+            <p:ph type="body" idx="1"/>
+          </p:nvPr>
+        </p:nvSpPr>
+        <p:spPr/>
+        <p:txBody>
+          <a:bodyPr/>
+          <a:lstStyle/>
+          <a:p>
+            <a:endParaRPr kumimoji="1" lang="ja-JP" altLang="en-US" dirty="0"/>
+          </a:p>
+        </p:txBody>
+      </p:sp>
+      <p:sp>
+        <p:nvSpPr>
+          <p:cNvPr id="4" name="スライド番号プレースホルダー 3"/>
+          <p:cNvSpPr>
+            <a:spLocks noGrp="1"/>
+          </p:cNvSpPr>
+          <p:nvPr>
+            <p:ph type="sldNum" sz="quarter" idx="10"/>
+          </p:nvPr>
+        </p:nvSpPr>
+        <p:spPr/>
+        <p:txBody>
+          <a:bodyPr/>
+          <a:lstStyle/>
+          <a:p>
+            <a:fld id="{DCBE0EC6-5A4C-498C-BD5C-88E688A480C7}" type="slidenum">
+              <a:rPr kumimoji="1" lang="ja-JP" altLang="en-US" smtClean="0"/>
+              <a:t>3</a:t>
+            </a:fld>
+            <a:endParaRPr kumimoji="1" lang="ja-JP" altLang="en-US"/>
+          </a:p>
+        </p:txBody>
+      </p:sp>
+    </p:spTree>
+    <p:extLst>
+      <p:ext uri="{BB962C8B-B14F-4D97-AF65-F5344CB8AC3E}">
+        <p14:creationId xmlns:p14="http://schemas.microsoft.com/office/powerpoint/2010/main" val="3348302183"/>
+      </p:ext>
+    </p:extLst>
+  </p:cSld>
+  <p:clrMapOvr>
+    <a:masterClrMapping/>
+  </p:clrMapOvr>
+</p:notes>
+</file>
+
+<file path=ppt/notesSlides/notesSlide3.xml><?xml version="1.0" encoding="utf-8"?>
+<p:notes xmlns:a="http://schemas.openxmlformats.org/drawingml/2006/main" xmlns:r="http://schemas.openxmlformats.org/officeDocument/2006/relationships" xmlns:p="http://schemas.openxmlformats.org/presentationml/2006/main">
+  <p:cSld>
+    <p:spTree>
+      <p:nvGrpSpPr>
+        <p:cNvPr id="1" name=""/>
+        <p:cNvGrpSpPr/>
+        <p:nvPr/>
+      </p:nvGrpSpPr>
+      <p:grpSpPr>
+        <a:xfrm>
+          <a:off x="0" y="0"/>
+          <a:ext cx="0" cy="0"/>
+          <a:chOff x="0" y="0"/>
+          <a:chExt cx="0" cy="0"/>
+        </a:xfrm>
+      </p:grpSpPr>
+      <p:sp>
+        <p:nvSpPr>
+          <p:cNvPr id="2" name="スライド イメージ プレースホルダー 1"/>
+          <p:cNvSpPr>
+            <a:spLocks noGrp="1" noRot="1" noChangeAspect="1"/>
+          </p:cNvSpPr>
+          <p:nvPr>
+            <p:ph type="sldImg"/>
+          </p:nvPr>
+        </p:nvSpPr>
+        <p:spPr/>
+      </p:sp>
+      <p:sp>
+        <p:nvSpPr>
+          <p:cNvPr id="3" name="ノート プレースホルダー 2"/>
+          <p:cNvSpPr>
+            <a:spLocks noGrp="1"/>
+          </p:cNvSpPr>
+          <p:nvPr>
+            <p:ph type="body" idx="1"/>
+          </p:nvPr>
+        </p:nvSpPr>
+        <p:spPr/>
+        <p:txBody>
+          <a:bodyPr/>
+          <a:lstStyle/>
+          <a:p>
+            <a:r>
+              <a:rPr kumimoji="1" lang="ja-JP" altLang="en-US" dirty="0" smtClean="0"/>
+              <a:t>バンキングシステム：</a:t>
+            </a:r>
+            <a:r>
+              <a:rPr kumimoji="1" lang="en-US" altLang="ja-JP" dirty="0" smtClean="0"/>
+              <a:t>ATM</a:t>
+            </a:r>
+            <a:r>
+              <a:rPr kumimoji="1" lang="ja-JP" altLang="en-US" dirty="0" smtClean="0"/>
+              <a:t>みたいにどこでも入金，出金できるようになったシステム</a:t>
+            </a:r>
+            <a:endParaRPr kumimoji="1" lang="en-US" altLang="ja-JP" dirty="0" smtClean="0"/>
+          </a:p>
+          <a:p>
+            <a:r>
+              <a:rPr kumimoji="1" lang="en-US" altLang="ja-JP" dirty="0" smtClean="0"/>
+              <a:t>E</a:t>
+            </a:r>
+            <a:r>
+              <a:rPr kumimoji="1" lang="ja-JP" altLang="en-US" dirty="0" smtClean="0"/>
+              <a:t>コマース：ネットショップ</a:t>
+            </a:r>
+            <a:endParaRPr kumimoji="1" lang="en-US" altLang="ja-JP" dirty="0" smtClean="0"/>
+          </a:p>
+          <a:p>
+            <a:r>
+              <a:rPr kumimoji="1" lang="ja-JP" altLang="en-US" dirty="0" smtClean="0"/>
+              <a:t>経営資源：人，モノ，金</a:t>
+            </a:r>
+            <a:endParaRPr kumimoji="1" lang="en-US" altLang="ja-JP" dirty="0" smtClean="0"/>
+          </a:p>
+          <a:p>
+            <a:r>
+              <a:rPr kumimoji="1" lang="ja-JP" altLang="en-US" dirty="0" smtClean="0"/>
+              <a:t>競合他社：同じサービスを提供し，同じ消費者をターゲットとしてる他社</a:t>
+            </a:r>
+            <a:endParaRPr kumimoji="1" lang="en-US" altLang="ja-JP" dirty="0" smtClean="0"/>
+          </a:p>
+          <a:p>
+            <a:r>
+              <a:rPr kumimoji="1" lang="en-US" altLang="ja-JP" dirty="0" smtClean="0"/>
+              <a:t>IT</a:t>
+            </a:r>
+            <a:r>
+              <a:rPr kumimoji="1" lang="ja-JP" altLang="en-US" dirty="0" smtClean="0"/>
+              <a:t>ベンダー：企業が必要とするモノを販売する企業</a:t>
+            </a:r>
+            <a:endParaRPr kumimoji="1" lang="ja-JP" altLang="en-US" dirty="0"/>
+          </a:p>
+        </p:txBody>
+      </p:sp>
+      <p:sp>
+        <p:nvSpPr>
+          <p:cNvPr id="4" name="スライド番号プレースホルダー 3"/>
+          <p:cNvSpPr>
+            <a:spLocks noGrp="1"/>
+          </p:cNvSpPr>
+          <p:nvPr>
+            <p:ph type="sldNum" sz="quarter" idx="10"/>
+          </p:nvPr>
+        </p:nvSpPr>
+        <p:spPr/>
+        <p:txBody>
+          <a:bodyPr/>
+          <a:lstStyle/>
+          <a:p>
+            <a:fld id="{DCBE0EC6-5A4C-498C-BD5C-88E688A480C7}" type="slidenum">
+              <a:rPr kumimoji="1" lang="ja-JP" altLang="en-US" smtClean="0"/>
+              <a:t>4</a:t>
+            </a:fld>
+            <a:endParaRPr kumimoji="1" lang="ja-JP" altLang="en-US"/>
+          </a:p>
+        </p:txBody>
+      </p:sp>
+    </p:spTree>
+    <p:extLst>
+      <p:ext uri="{BB962C8B-B14F-4D97-AF65-F5344CB8AC3E}">
+        <p14:creationId xmlns:p14="http://schemas.microsoft.com/office/powerpoint/2010/main" val="1521575386"/>
+      </p:ext>
+    </p:extLst>
+  </p:cSld>
+  <p:clrMapOvr>
+    <a:masterClrMapping/>
+  </p:clrMapOvr>
+</p:notes>
+</file>
+
+<file path=ppt/notesSlides/notesSlide4.xml><?xml version="1.0" encoding="utf-8"?>
+<p:notes xmlns:a="http://schemas.openxmlformats.org/drawingml/2006/main" xmlns:r="http://schemas.openxmlformats.org/officeDocument/2006/relationships" xmlns:p="http://schemas.openxmlformats.org/presentationml/2006/main">
+  <p:cSld>
+    <p:spTree>
+      <p:nvGrpSpPr>
+        <p:cNvPr id="1" name=""/>
+        <p:cNvGrpSpPr/>
+        <p:nvPr/>
+      </p:nvGrpSpPr>
+      <p:grpSpPr>
+        <a:xfrm>
+          <a:off x="0" y="0"/>
+          <a:ext cx="0" cy="0"/>
+          <a:chOff x="0" y="0"/>
+          <a:chExt cx="0" cy="0"/>
+        </a:xfrm>
+      </p:grpSpPr>
+      <p:sp>
+        <p:nvSpPr>
+          <p:cNvPr id="2" name="スライド イメージ プレースホルダー 1"/>
+          <p:cNvSpPr>
+            <a:spLocks noGrp="1" noRot="1" noChangeAspect="1"/>
+          </p:cNvSpPr>
+          <p:nvPr>
+            <p:ph type="sldImg"/>
+          </p:nvPr>
+        </p:nvSpPr>
+        <p:spPr/>
+      </p:sp>
+      <p:sp>
+        <p:nvSpPr>
+          <p:cNvPr id="3" name="ノート プレースホルダー 2"/>
+          <p:cNvSpPr>
+            <a:spLocks noGrp="1"/>
+          </p:cNvSpPr>
+          <p:nvPr>
+            <p:ph type="body" idx="1"/>
+          </p:nvPr>
+        </p:nvSpPr>
+        <p:spPr/>
+        <p:txBody>
+          <a:bodyPr/>
+          <a:lstStyle/>
+          <a:p>
+            <a:r>
+              <a:rPr lang="ja-JP" altLang="en-US" b="1" dirty="0" smtClean="0"/>
+              <a:t>基幹業務システム</a:t>
+            </a:r>
+            <a:r>
+              <a:rPr lang="ja-JP" altLang="en-US" b="0" dirty="0" smtClean="0"/>
+              <a:t>：</a:t>
+            </a:r>
+            <a:r>
+              <a:rPr lang="ja-JP" altLang="en-US" dirty="0" smtClean="0"/>
+              <a:t>企業がビジネスを遂行するために不可欠な主要業務を処理するために用いられているシステム</a:t>
+            </a:r>
+            <a:endParaRPr kumimoji="1" lang="ja-JP" altLang="en-US" dirty="0"/>
+          </a:p>
+        </p:txBody>
+      </p:sp>
+      <p:sp>
+        <p:nvSpPr>
+          <p:cNvPr id="4" name="スライド番号プレースホルダー 3"/>
+          <p:cNvSpPr>
+            <a:spLocks noGrp="1"/>
+          </p:cNvSpPr>
+          <p:nvPr>
+            <p:ph type="sldNum" sz="quarter" idx="10"/>
+          </p:nvPr>
+        </p:nvSpPr>
+        <p:spPr/>
+        <p:txBody>
+          <a:bodyPr/>
+          <a:lstStyle/>
+          <a:p>
+            <a:fld id="{DCBE0EC6-5A4C-498C-BD5C-88E688A480C7}" type="slidenum">
+              <a:rPr kumimoji="1" lang="ja-JP" altLang="en-US" smtClean="0"/>
+              <a:t>5</a:t>
+            </a:fld>
+            <a:endParaRPr kumimoji="1" lang="ja-JP" altLang="en-US"/>
+          </a:p>
+        </p:txBody>
+      </p:sp>
+    </p:spTree>
+    <p:extLst>
+      <p:ext uri="{BB962C8B-B14F-4D97-AF65-F5344CB8AC3E}">
+        <p14:creationId xmlns:p14="http://schemas.microsoft.com/office/powerpoint/2010/main" val="1047820060"/>
+      </p:ext>
+    </p:extLst>
+  </p:cSld>
+  <p:clrMapOvr>
+    <a:masterClrMapping/>
+  </p:clrMapOvr>
+</p:notes>
+</file>
+
+<file path=ppt/notesSlides/notesSlide5.xml><?xml version="1.0" encoding="utf-8"?>
+<p:notes xmlns:a="http://schemas.openxmlformats.org/drawingml/2006/main" xmlns:r="http://schemas.openxmlformats.org/officeDocument/2006/relationships" xmlns:p="http://schemas.openxmlformats.org/presentationml/2006/main">
+  <p:cSld>
+    <p:spTree>
+      <p:nvGrpSpPr>
+        <p:cNvPr id="1" name=""/>
+        <p:cNvGrpSpPr/>
+        <p:nvPr/>
+      </p:nvGrpSpPr>
+      <p:grpSpPr>
+        <a:xfrm>
+          <a:off x="0" y="0"/>
+          <a:ext cx="0" cy="0"/>
+          <a:chOff x="0" y="0"/>
+          <a:chExt cx="0" cy="0"/>
+        </a:xfrm>
+      </p:grpSpPr>
+      <p:sp>
+        <p:nvSpPr>
+          <p:cNvPr id="2" name="スライド イメージ プレースホルダー 1"/>
+          <p:cNvSpPr>
+            <a:spLocks noGrp="1" noRot="1" noChangeAspect="1"/>
+          </p:cNvSpPr>
+          <p:nvPr>
+            <p:ph type="sldImg"/>
+          </p:nvPr>
+        </p:nvSpPr>
+        <p:spPr/>
+      </p:sp>
+      <p:sp>
+        <p:nvSpPr>
+          <p:cNvPr id="3" name="ノート プレースホルダー 2"/>
+          <p:cNvSpPr>
+            <a:spLocks noGrp="1"/>
+          </p:cNvSpPr>
+          <p:nvPr>
+            <p:ph type="body" idx="1"/>
+          </p:nvPr>
+        </p:nvSpPr>
+        <p:spPr/>
+        <p:txBody>
+          <a:bodyPr/>
+          <a:lstStyle/>
+          <a:p>
+            <a:r>
+              <a:rPr kumimoji="1" lang="en-US" altLang="ja-JP" dirty="0" smtClean="0"/>
+              <a:t>PM</a:t>
+            </a:r>
+            <a:r>
+              <a:rPr kumimoji="1" lang="ja-JP" altLang="en-US" dirty="0" smtClean="0"/>
+              <a:t>演習でレビューを実施するのは，ただ単に書類の完成度を高めるためだけに行っていると思っていたのですが，実際この事例を読んでみて，書類の完成度を高めることで，結果的に今後の作業の品質も格段に向上させることができ，トラブルも減らせるため，作業が楽になるという利点の部分を改めて認識しました．</a:t>
+            </a:r>
+            <a:endParaRPr kumimoji="1" lang="ja-JP" altLang="en-US" dirty="0"/>
+          </a:p>
+        </p:txBody>
+      </p:sp>
+      <p:sp>
+        <p:nvSpPr>
+          <p:cNvPr id="4" name="スライド番号プレースホルダー 3"/>
+          <p:cNvSpPr>
+            <a:spLocks noGrp="1"/>
+          </p:cNvSpPr>
+          <p:nvPr>
+            <p:ph type="sldNum" sz="quarter" idx="10"/>
+          </p:nvPr>
+        </p:nvSpPr>
+        <p:spPr/>
+        <p:txBody>
+          <a:bodyPr/>
+          <a:lstStyle/>
+          <a:p>
+            <a:fld id="{DCBE0EC6-5A4C-498C-BD5C-88E688A480C7}" type="slidenum">
+              <a:rPr kumimoji="1" lang="ja-JP" altLang="en-US" smtClean="0"/>
+              <a:t>8</a:t>
+            </a:fld>
+            <a:endParaRPr kumimoji="1" lang="ja-JP" altLang="en-US"/>
+          </a:p>
+        </p:txBody>
+      </p:sp>
+    </p:spTree>
+    <p:extLst>
+      <p:ext uri="{BB962C8B-B14F-4D97-AF65-F5344CB8AC3E}">
+        <p14:creationId xmlns:p14="http://schemas.microsoft.com/office/powerpoint/2010/main" val="623676439"/>
+      </p:ext>
+    </p:extLst>
+  </p:cSld>
+  <p:clrMapOvr>
+    <a:masterClrMapping/>
+  </p:clrMapOvr>
+</p:notes>
+</file>
+
 <file path=ppt/slideLayouts/slideLayout1.xml><?xml version="1.0" encoding="utf-8"?>
 <p:sldLayout xmlns:a="http://schemas.openxmlformats.org/drawingml/2006/main" xmlns:r="http://schemas.openxmlformats.org/officeDocument/2006/relationships" xmlns:p="http://schemas.openxmlformats.org/presentationml/2006/main" showMasterSp="0" type="title" preserve="1">
   <p:cSld name="タイトル スライド">
@@ -995,7 +1397,7 @@
           <a:p>
             <a:fld id="{493F4FE5-87EB-4FEE-B986-FB44D8B1D322}" type="datetime1">
               <a:rPr kumimoji="1" lang="ja-JP" altLang="en-US" smtClean="0"/>
-              <a:t>2015/6/10</a:t>
+              <a:t>2015/6/11</a:t>
             </a:fld>
             <a:endParaRPr kumimoji="1" lang="ja-JP" altLang="en-US"/>
           </a:p>
@@ -1247,7 +1649,7 @@
           <a:p>
             <a:fld id="{E84868B0-E9E3-4631-BE05-8C70B5895FCD}" type="datetime1">
               <a:rPr kumimoji="1" lang="ja-JP" altLang="en-US" smtClean="0"/>
-              <a:t>2015/6/10</a:t>
+              <a:t>2015/6/11</a:t>
             </a:fld>
             <a:endParaRPr kumimoji="1" lang="ja-JP" altLang="en-US"/>
           </a:p>
@@ -1535,7 +1937,7 @@
           <a:p>
             <a:fld id="{923B52C0-D342-4764-B6D8-2FDB0BDDC76F}" type="datetime1">
               <a:rPr kumimoji="1" lang="ja-JP" altLang="en-US" smtClean="0"/>
-              <a:t>2015/6/10</a:t>
+              <a:t>2015/6/11</a:t>
             </a:fld>
             <a:endParaRPr kumimoji="1" lang="ja-JP" altLang="en-US"/>
           </a:p>
@@ -1655,12 +2057,12 @@
           <a:bodyPr/>
           <a:lstStyle>
             <a:lvl1pPr>
-              <a:defRPr sz="2400"/>
+              <a:defRPr sz="2400" b="0"/>
             </a:lvl1pPr>
             <a:lvl2pPr marL="486918" indent="-285750">
               <a:buFont typeface="Wingdings" panose="05000000000000000000" pitchFamily="2" charset="2"/>
               <a:buChar char="l"/>
-              <a:defRPr/>
+              <a:defRPr sz="2000"/>
             </a:lvl2pPr>
           </a:lstStyle>
           <a:p>
@@ -1750,7 +2152,7 @@
           <a:p>
             <a:fld id="{9CF9EAA5-A2D5-47B5-808D-FDA1C4920B5E}" type="datetime1">
               <a:rPr kumimoji="1" lang="ja-JP" altLang="en-US" smtClean="0"/>
-              <a:t>2015/6/10</a:t>
+              <a:t>2015/6/11</a:t>
             </a:fld>
             <a:endParaRPr kumimoji="1" lang="ja-JP" altLang="en-US"/>
           </a:p>
@@ -2100,7 +2502,7 @@
           <a:p>
             <a:fld id="{6601A478-E045-4BED-A679-A5EF76D95C63}" type="datetime1">
               <a:rPr kumimoji="1" lang="ja-JP" altLang="en-US" smtClean="0"/>
-              <a:t>2015/6/10</a:t>
+              <a:t>2015/6/11</a:t>
             </a:fld>
             <a:endParaRPr kumimoji="1" lang="ja-JP" altLang="en-US"/>
           </a:p>
@@ -2446,7 +2848,7 @@
           <a:p>
             <a:fld id="{C07FB18C-E142-4916-AE91-1CDD10F34444}" type="datetime1">
               <a:rPr kumimoji="1" lang="ja-JP" altLang="en-US" smtClean="0"/>
-              <a:t>2015/6/10</a:t>
+              <a:t>2015/6/11</a:t>
             </a:fld>
             <a:endParaRPr kumimoji="1" lang="ja-JP" altLang="en-US"/>
           </a:p>
@@ -2889,7 +3291,7 @@
           <a:p>
             <a:fld id="{35526E38-44F9-4894-B5CD-CF6E602DE711}" type="datetime1">
               <a:rPr kumimoji="1" lang="ja-JP" altLang="en-US" smtClean="0"/>
-              <a:t>2015/6/10</a:t>
+              <a:t>2015/6/11</a:t>
             </a:fld>
             <a:endParaRPr kumimoji="1" lang="ja-JP" altLang="en-US"/>
           </a:p>
@@ -3007,7 +3409,7 @@
           <a:p>
             <a:fld id="{86B11806-9664-4D42-982E-6DF894543A3C}" type="datetime1">
               <a:rPr kumimoji="1" lang="ja-JP" altLang="en-US" smtClean="0"/>
-              <a:t>2015/6/10</a:t>
+              <a:t>2015/6/11</a:t>
             </a:fld>
             <a:endParaRPr kumimoji="1" lang="ja-JP" altLang="en-US"/>
           </a:p>
@@ -3178,7 +3580,7 @@
           <a:p>
             <a:fld id="{BF53285D-F6E0-4872-A1C4-C43A08E5CE4B}" type="datetime1">
               <a:rPr kumimoji="1" lang="ja-JP" altLang="en-US" smtClean="0"/>
-              <a:t>2015/6/10</a:t>
+              <a:t>2015/6/11</a:t>
             </a:fld>
             <a:endParaRPr kumimoji="1" lang="ja-JP" altLang="en-US"/>
           </a:p>
@@ -3564,7 +3966,7 @@
           <a:p>
             <a:fld id="{57EF0C61-417F-4D74-8812-F6F62D230326}" type="datetime1">
               <a:rPr kumimoji="1" lang="ja-JP" altLang="en-US" smtClean="0"/>
-              <a:t>2015/6/10</a:t>
+              <a:t>2015/6/11</a:t>
             </a:fld>
             <a:endParaRPr kumimoji="1" lang="ja-JP" altLang="en-US"/>
           </a:p>
@@ -3946,7 +4348,7 @@
           <a:p>
             <a:fld id="{B64EF7DC-D18C-40B8-9FD9-6FEF6C3A9C42}" type="datetime1">
               <a:rPr kumimoji="1" lang="ja-JP" altLang="en-US" smtClean="0"/>
-              <a:t>2015/6/10</a:t>
+              <a:t>2015/6/11</a:t>
             </a:fld>
             <a:endParaRPr kumimoji="1" lang="ja-JP" altLang="en-US"/>
           </a:p>
@@ -4265,7 +4667,7 @@
           <a:p>
             <a:fld id="{03B6EA41-A581-4A35-B4A9-4544B0804832}" type="datetime1">
               <a:rPr kumimoji="1" lang="ja-JP" altLang="en-US" smtClean="0"/>
-              <a:t>2015/6/10</a:t>
+              <a:t>2015/6/11</a:t>
             </a:fld>
             <a:endParaRPr kumimoji="1" lang="ja-JP" altLang="en-US"/>
           </a:p>
@@ -4890,115 +5292,6 @@
 </p:sld>
 </file>
 
-<file path=ppt/slides/slide10.xml><?xml version="1.0" encoding="utf-8"?>
-<p:sld xmlns:a="http://schemas.openxmlformats.org/drawingml/2006/main" xmlns:r="http://schemas.openxmlformats.org/officeDocument/2006/relationships" xmlns:p="http://schemas.openxmlformats.org/presentationml/2006/main">
-  <p:cSld>
-    <p:spTree>
-      <p:nvGrpSpPr>
-        <p:cNvPr id="1" name=""/>
-        <p:cNvGrpSpPr/>
-        <p:nvPr/>
-      </p:nvGrpSpPr>
-      <p:grpSpPr>
-        <a:xfrm>
-          <a:off x="0" y="0"/>
-          <a:ext cx="0" cy="0"/>
-          <a:chOff x="0" y="0"/>
-          <a:chExt cx="0" cy="0"/>
-        </a:xfrm>
-      </p:grpSpPr>
-      <p:sp>
-        <p:nvSpPr>
-          <p:cNvPr id="2" name="タイトル 1"/>
-          <p:cNvSpPr>
-            <a:spLocks noGrp="1"/>
-          </p:cNvSpPr>
-          <p:nvPr>
-            <p:ph type="title"/>
-          </p:nvPr>
-        </p:nvSpPr>
-        <p:spPr/>
-        <p:txBody>
-          <a:bodyPr/>
-          <a:lstStyle/>
-          <a:p>
-            <a:r>
-              <a:rPr kumimoji="1" lang="ja-JP" altLang="en-US" dirty="0" smtClean="0"/>
-              <a:t>今回の事例で学んだこと</a:t>
-            </a:r>
-            <a:endParaRPr kumimoji="1" lang="ja-JP" altLang="en-US" dirty="0"/>
-          </a:p>
-        </p:txBody>
-      </p:sp>
-      <p:sp>
-        <p:nvSpPr>
-          <p:cNvPr id="3" name="コンテンツ プレースホルダー 2"/>
-          <p:cNvSpPr>
-            <a:spLocks noGrp="1"/>
-          </p:cNvSpPr>
-          <p:nvPr>
-            <p:ph idx="1"/>
-          </p:nvPr>
-        </p:nvSpPr>
-        <p:spPr/>
-        <p:txBody>
-          <a:bodyPr/>
-          <a:lstStyle/>
-          <a:p>
-            <a:r>
-              <a:rPr kumimoji="1" lang="ja-JP" altLang="en-US" dirty="0" smtClean="0"/>
-              <a:t>大規模なプロジェクトには「高い理念」に基づいたスコープを設定する</a:t>
-            </a:r>
-            <a:endParaRPr kumimoji="1" lang="en-US" altLang="ja-JP" dirty="0" smtClean="0"/>
-          </a:p>
-          <a:p>
-            <a:endParaRPr kumimoji="1" lang="ja-JP" altLang="en-US" dirty="0"/>
-          </a:p>
-        </p:txBody>
-      </p:sp>
-      <p:sp>
-        <p:nvSpPr>
-          <p:cNvPr id="4" name="スライド番号プレースホルダー 3"/>
-          <p:cNvSpPr>
-            <a:spLocks noGrp="1"/>
-          </p:cNvSpPr>
-          <p:nvPr>
-            <p:ph type="sldNum" sz="quarter" idx="12"/>
-          </p:nvPr>
-        </p:nvSpPr>
-        <p:spPr/>
-        <p:txBody>
-          <a:bodyPr/>
-          <a:lstStyle/>
-          <a:p>
-            <a:fld id="{A4E6642C-D3C9-4DC2-8962-09BE970CAC7A}" type="slidenum">
-              <a:rPr kumimoji="1" lang="ja-JP" altLang="en-US" smtClean="0"/>
-              <a:t>10</a:t>
-            </a:fld>
-            <a:endParaRPr kumimoji="1" lang="ja-JP" altLang="en-US"/>
-          </a:p>
-        </p:txBody>
-      </p:sp>
-    </p:spTree>
-    <p:extLst>
-      <p:ext uri="{BB962C8B-B14F-4D97-AF65-F5344CB8AC3E}">
-        <p14:creationId xmlns:p14="http://schemas.microsoft.com/office/powerpoint/2010/main" val="1656809260"/>
-      </p:ext>
-    </p:extLst>
-  </p:cSld>
-  <p:clrMapOvr>
-    <a:masterClrMapping/>
-  </p:clrMapOvr>
-  <p:timing>
-    <p:tnLst>
-      <p:par>
-        <p:cTn id="1" dur="indefinite" restart="never" nodeType="tmRoot"/>
-      </p:par>
-    </p:tnLst>
-  </p:timing>
-</p:sld>
-</file>
-
 <file path=ppt/slides/slide2.xml><?xml version="1.0" encoding="utf-8"?>
 <p:sld xmlns:a="http://schemas.openxmlformats.org/drawingml/2006/main" xmlns:r="http://schemas.openxmlformats.org/officeDocument/2006/relationships" xmlns:p="http://schemas.openxmlformats.org/presentationml/2006/main">
   <p:cSld>
@@ -5051,75 +5344,72 @@
         </p:nvSpPr>
         <p:spPr/>
         <p:txBody>
-          <a:bodyPr/>
-          <a:lstStyle/>
+          <a:bodyPr>
+            <a:normAutofit/>
+          </a:bodyPr>
+          <a:lstStyle/>
+          <a:p>
+            <a:r>
+              <a:rPr lang="ja-JP" altLang="en-US" dirty="0" smtClean="0"/>
+              <a:t>事例の狙い</a:t>
+            </a:r>
+            <a:endParaRPr lang="en-US" altLang="ja-JP" dirty="0" smtClean="0"/>
+          </a:p>
           <a:p>
             <a:r>
               <a:rPr kumimoji="1" lang="ja-JP" altLang="en-US" dirty="0" smtClean="0"/>
-              <a:t>今回のプロジェクト</a:t>
+              <a:t>プロジェクトの概要</a:t>
             </a:r>
             <a:endParaRPr kumimoji="1" lang="en-US" altLang="ja-JP" dirty="0" smtClean="0"/>
           </a:p>
           <a:p>
             <a:r>
-              <a:rPr lang="en-US" altLang="ja-JP" dirty="0"/>
-              <a:t>3</a:t>
-            </a:r>
+              <a:rPr kumimoji="1" lang="ja-JP" altLang="en-US" dirty="0" smtClean="0"/>
+              <a:t>プロローグ</a:t>
+            </a:r>
+            <a:endParaRPr kumimoji="1" lang="en-US" altLang="ja-JP" dirty="0" smtClean="0"/>
+          </a:p>
+          <a:p>
+            <a:r>
+              <a:rPr lang="ja-JP" altLang="en-US" dirty="0" smtClean="0"/>
+              <a:t>レスキュー隊編成</a:t>
+            </a:r>
+            <a:endParaRPr lang="en-US" altLang="ja-JP" dirty="0" smtClean="0"/>
+          </a:p>
+          <a:p>
             <a:r>
               <a:rPr lang="ja-JP" altLang="en-US" dirty="0"/>
-              <a:t>種類</a:t>
+              <a:t>レビュー</a:t>
             </a:r>
             <a:r>
               <a:rPr lang="ja-JP" altLang="en-US" dirty="0" smtClean="0"/>
-              <a:t>のステークホルダと行動原理</a:t>
+              <a:t>に</a:t>
+            </a:r>
+            <a:r>
+              <a:rPr lang="ja-JP" altLang="en-US" dirty="0"/>
+              <a:t>参加</a:t>
+            </a:r>
+            <a:r>
+              <a:rPr lang="ja-JP" altLang="en-US" dirty="0" smtClean="0"/>
+              <a:t>する者の役割と責任を明確化</a:t>
             </a:r>
             <a:endParaRPr lang="en-US" altLang="ja-JP" dirty="0" smtClean="0"/>
           </a:p>
           <a:p>
             <a:r>
               <a:rPr lang="ja-JP" altLang="en-US" dirty="0"/>
-              <a:t>大規模</a:t>
+              <a:t>今回</a:t>
             </a:r>
             <a:r>
               <a:rPr lang="ja-JP" altLang="en-US" dirty="0" smtClean="0"/>
-              <a:t>プロジェクトの場合のポイント</a:t>
+              <a:t>の事例で学んだこと</a:t>
             </a:r>
             <a:endParaRPr lang="en-US" altLang="ja-JP" dirty="0" smtClean="0"/>
           </a:p>
           <a:p>
-            <a:r>
-              <a:rPr lang="ja-JP" altLang="en-US" dirty="0" smtClean="0"/>
-              <a:t>プロジェクトの概要</a:t>
-            </a:r>
-            <a:endParaRPr lang="en-US" altLang="ja-JP" dirty="0" smtClean="0"/>
-          </a:p>
-          <a:p>
-            <a:r>
-              <a:rPr lang="en-US" altLang="ja-JP" dirty="0" smtClean="0"/>
-              <a:t>IC</a:t>
-            </a:r>
-            <a:r>
-              <a:rPr lang="ja-JP" altLang="en-US" smtClean="0"/>
-              <a:t>カード乗車券の</a:t>
-            </a:r>
-            <a:r>
-              <a:rPr lang="ja-JP" altLang="en-US" dirty="0" smtClean="0"/>
-              <a:t>課題</a:t>
-            </a:r>
-            <a:endParaRPr lang="en-US" altLang="ja-JP" dirty="0" smtClean="0"/>
-          </a:p>
-          <a:p>
-            <a:r>
-              <a:rPr lang="ja-JP" altLang="en-US" dirty="0" smtClean="0"/>
-              <a:t>教訓</a:t>
-            </a:r>
-            <a:endParaRPr lang="en-US" altLang="ja-JP" dirty="0" smtClean="0"/>
-          </a:p>
-          <a:p>
-            <a:r>
-              <a:rPr lang="ja-JP" altLang="en-US" dirty="0" smtClean="0"/>
-              <a:t>この事例から学んだこと</a:t>
-            </a:r>
+            <a:pPr marL="0" indent="0">
+              <a:buNone/>
+            </a:pPr>
             <a:endParaRPr lang="en-US" altLang="ja-JP" dirty="0" smtClean="0"/>
           </a:p>
           <a:p>
@@ -5160,6 +5450,13 @@
   <p:clrMapOvr>
     <a:masterClrMapping/>
   </p:clrMapOvr>
+  <p:timing>
+    <p:tnLst>
+      <p:par>
+        <p:cTn id="1" dur="indefinite" restart="never" nodeType="tmRoot"/>
+      </p:par>
+    </p:tnLst>
+  </p:timing>
 </p:sld>
 </file>
 
@@ -5213,9 +5510,16 @@
             <p:ph idx="1"/>
           </p:nvPr>
         </p:nvSpPr>
-        <p:spPr/>
-        <p:txBody>
-          <a:bodyPr/>
+        <p:spPr>
+          <a:xfrm>
+            <a:off x="1097280" y="1845734"/>
+            <a:ext cx="10058400" cy="3452407"/>
+          </a:xfrm>
+        </p:spPr>
+        <p:txBody>
+          <a:bodyPr>
+            <a:normAutofit/>
+          </a:bodyPr>
           <a:lstStyle/>
           <a:p>
             <a:pPr>
@@ -5232,7 +5536,7 @@
             <a:pPr lvl="1"/>
             <a:r>
               <a:rPr lang="ja-JP" altLang="en-US" dirty="0" smtClean="0"/>
-              <a:t>ソフトウェア</a:t>
+              <a:t>それにより，ソフトウェア</a:t>
             </a:r>
             <a:r>
               <a:rPr lang="ja-JP" altLang="en-US" dirty="0"/>
@@ -5240,22 +5544,19 @@
             </a:r>
             <a:r>
               <a:rPr lang="ja-JP" altLang="en-US" dirty="0" smtClean="0"/>
-              <a:t>保守の品質と生産性を向上させることに成功</a:t>
-            </a:r>
-            <a:endParaRPr kumimoji="1" lang="en-US" altLang="ja-JP" dirty="0" smtClean="0"/>
+              <a:t>保守の品質と生産性を向上させることに</a:t>
+            </a:r>
+            <a:r>
+              <a:rPr lang="ja-JP" altLang="en-US" dirty="0" smtClean="0"/>
+              <a:t>成功</a:t>
+            </a:r>
+            <a:endParaRPr lang="en-US" altLang="ja-JP" dirty="0"/>
           </a:p>
           <a:p>
             <a:pPr>
               <a:buFont typeface="Wingdings" panose="05000000000000000000" pitchFamily="2" charset="2"/>
               <a:buChar char="l"/>
             </a:pPr>
-            <a:endParaRPr lang="en-US" altLang="ja-JP" dirty="0"/>
-          </a:p>
-          <a:p>
-            <a:pPr>
-              <a:buFont typeface="Wingdings" panose="05000000000000000000" pitchFamily="2" charset="2"/>
-              <a:buChar char="l"/>
-            </a:pPr>
             <a:r>
               <a:rPr kumimoji="1" lang="ja-JP" altLang="en-US" dirty="0" smtClean="0"/>
               <a:t>レビューは面倒</a:t>
@@ -5266,16 +5567,66 @@
             <a:pPr lvl="1"/>
             <a:r>
               <a:rPr lang="ja-JP" altLang="en-US" dirty="0" smtClean="0"/>
-              <a:t>レビューの手間を惜しむことで，後に不具合が発生されて対応する方が余計面倒である</a:t>
+              <a:t>レビューの手間を惜しむことで，後に不具合が発生されて対応する方が余計面倒</a:t>
+            </a:r>
+            <a:r>
+              <a:rPr lang="ja-JP" altLang="en-US" dirty="0" smtClean="0"/>
+              <a:t>で</a:t>
+            </a:r>
+            <a:r>
+              <a:rPr lang="ja-JP" altLang="en-US" dirty="0" smtClean="0"/>
+              <a:t>，</a:t>
             </a:r>
             <a:endParaRPr lang="en-US" altLang="ja-JP" dirty="0" smtClean="0"/>
           </a:p>
           <a:p>
+            <a:pPr marL="201168" lvl="1" indent="0">
+              <a:buNone/>
+            </a:pPr>
+            <a:r>
+              <a:rPr kumimoji="1" lang="ja-JP" altLang="en-US" dirty="0"/>
+              <a:t>　</a:t>
+            </a:r>
+            <a:r>
+              <a:rPr kumimoji="1" lang="ja-JP" altLang="en-US" dirty="0" smtClean="0"/>
+              <a:t>　更にコスト</a:t>
+            </a:r>
+            <a:r>
+              <a:rPr kumimoji="1" lang="ja-JP" altLang="en-US" dirty="0" smtClean="0"/>
+              <a:t>が増大</a:t>
+            </a:r>
+            <a:r>
+              <a:rPr kumimoji="1" lang="ja-JP" altLang="en-US" dirty="0" smtClean="0"/>
+              <a:t>する</a:t>
+            </a:r>
+            <a:endParaRPr lang="en-US" altLang="ja-JP" dirty="0"/>
+          </a:p>
+          <a:p>
             <a:pPr lvl="1"/>
             <a:r>
               <a:rPr kumimoji="1" lang="ja-JP" altLang="en-US" dirty="0" smtClean="0"/>
-              <a:t>コストが増大する</a:t>
-            </a:r>
+              <a:t>また，レビューがずさんであると，提供する商品やサービスの質も低下する事が多い</a:t>
+            </a:r>
+            <a:endParaRPr kumimoji="1" lang="en-US" altLang="ja-JP" dirty="0" smtClean="0"/>
+          </a:p>
+          <a:p>
+            <a:pPr marL="201168" lvl="1" indent="0">
+              <a:buNone/>
+            </a:pPr>
+            <a:r>
+              <a:rPr lang="ja-JP" altLang="en-US" dirty="0"/>
+              <a:t>　</a:t>
+            </a:r>
+            <a:r>
+              <a:rPr lang="ja-JP" altLang="en-US" dirty="0" smtClean="0"/>
+              <a:t>　結果として，顧客の信頼を失うこともある</a:t>
+            </a:r>
+            <a:endParaRPr lang="en-US" altLang="ja-JP" dirty="0" smtClean="0"/>
+          </a:p>
+          <a:p>
+            <a:pPr marL="201168" lvl="1" indent="0">
+              <a:buNone/>
+            </a:pPr>
             <a:endParaRPr kumimoji="1" lang="en-US" altLang="ja-JP" dirty="0" smtClean="0"/>
           </a:p>
           <a:p>
@@ -5307,55 +5658,18 @@
           </a:p>
         </p:txBody>
       </p:sp>
-    </p:spTree>
-    <p:extLst>
-      <p:ext uri="{BB962C8B-B14F-4D97-AF65-F5344CB8AC3E}">
-        <p14:creationId xmlns:p14="http://schemas.microsoft.com/office/powerpoint/2010/main" val="3024941790"/>
-      </p:ext>
-    </p:extLst>
-  </p:cSld>
-  <p:clrMapOvr>
-    <a:masterClrMapping/>
-  </p:clrMapOvr>
-  <p:timing>
-    <p:tnLst>
-      <p:par>
-        <p:cTn id="1" dur="indefinite" restart="never" nodeType="tmRoot"/>
-      </p:par>
-    </p:tnLst>
-  </p:timing>
-</p:sld>
-</file>
-
-<file path=ppt/slides/slide4.xml><?xml version="1.0" encoding="utf-8"?>
-<p:sld xmlns:a="http://schemas.openxmlformats.org/drawingml/2006/main" xmlns:r="http://schemas.openxmlformats.org/officeDocument/2006/relationships" xmlns:p="http://schemas.openxmlformats.org/presentationml/2006/main">
-  <p:cSld>
-    <p:spTree>
-      <p:nvGrpSpPr>
-        <p:cNvPr id="1" name=""/>
-        <p:cNvGrpSpPr/>
-        <p:nvPr/>
-      </p:nvGrpSpPr>
-      <p:grpSpPr>
-        <a:xfrm>
-          <a:off x="0" y="0"/>
-          <a:ext cx="0" cy="0"/>
-          <a:chOff x="0" y="0"/>
-          <a:chExt cx="0" cy="0"/>
-        </a:xfrm>
-      </p:grpSpPr>
-      <p:sp>
-        <p:nvSpPr>
-          <p:cNvPr id="5" name="角丸四角形 4"/>
+      <p:sp>
+        <p:nvSpPr>
+          <p:cNvPr id="5" name="円/楕円 4"/>
           <p:cNvSpPr/>
           <p:nvPr/>
         </p:nvSpPr>
         <p:spPr>
           <a:xfrm>
-            <a:off x="4746810" y="1845734"/>
-            <a:ext cx="7153835" cy="4434042"/>
+            <a:off x="1398495" y="4915697"/>
+            <a:ext cx="9049870" cy="1377527"/>
           </a:xfrm>
-          <a:prstGeom prst="roundRect">
+          <a:prstGeom prst="ellipse">
             <a:avLst/>
           </a:prstGeom>
           <a:solidFill>
@@ -5385,254 +5699,34 @@
           <a:lstStyle/>
           <a:p>
             <a:pPr algn="ctr"/>
-            <a:endParaRPr lang="en-US" altLang="ja-JP" sz="3200" dirty="0">
-              <a:solidFill>
-                <a:schemeClr val="tx1"/>
-              </a:solidFill>
-            </a:endParaRPr>
+            <a:r>
+              <a:rPr kumimoji="1" lang="ja-JP" altLang="en-US" sz="2400" dirty="0" smtClean="0"/>
+              <a:t>つまり</a:t>
+            </a:r>
+            <a:endParaRPr kumimoji="1" lang="en-US" altLang="ja-JP" sz="2400" dirty="0" smtClean="0"/>
           </a:p>
           <a:p>
             <a:pPr algn="ctr"/>
-            <a:endParaRPr kumimoji="1" lang="en-US" altLang="ja-JP" sz="3200" dirty="0" smtClean="0">
-              <a:solidFill>
-                <a:schemeClr val="tx1"/>
-              </a:solidFill>
-            </a:endParaRPr>
+            <a:r>
+              <a:rPr kumimoji="1" lang="ja-JP" altLang="en-US" sz="2400" dirty="0" smtClean="0"/>
+              <a:t>成果レビューのような現場の基本動作が</a:t>
+            </a:r>
+            <a:endParaRPr kumimoji="1" lang="en-US" altLang="ja-JP" sz="2400" dirty="0" smtClean="0"/>
           </a:p>
           <a:p>
             <a:pPr algn="ctr"/>
             <a:r>
-              <a:rPr kumimoji="1" lang="ja-JP" altLang="en-US" sz="3200" dirty="0" smtClean="0">
-                <a:solidFill>
-                  <a:schemeClr val="tx1"/>
-                </a:solidFill>
-              </a:rPr>
-              <a:t>↓</a:t>
-            </a:r>
-            <a:endParaRPr kumimoji="1" lang="en-US" altLang="ja-JP" sz="3200" dirty="0" smtClean="0">
-              <a:solidFill>
-                <a:schemeClr val="tx1"/>
-              </a:solidFill>
-            </a:endParaRPr>
-          </a:p>
-          <a:p>
-            <a:pPr algn="ctr"/>
-            <a:endParaRPr kumimoji="1" lang="en-US" altLang="ja-JP" sz="3200" dirty="0" smtClean="0">
-              <a:solidFill>
-                <a:schemeClr val="tx1"/>
-              </a:solidFill>
-            </a:endParaRPr>
-          </a:p>
-          <a:p>
-            <a:pPr algn="ctr"/>
-            <a:r>
-              <a:rPr kumimoji="1" lang="ja-JP" altLang="en-US" sz="3200" dirty="0" smtClean="0">
-                <a:solidFill>
-                  <a:schemeClr val="tx1"/>
-                </a:solidFill>
-              </a:rPr>
-              <a:t>そのため，ステークホルダを組織化する必要がある</a:t>
-            </a:r>
-            <a:endParaRPr kumimoji="1" lang="ja-JP" altLang="en-US" sz="3200" dirty="0">
-              <a:solidFill>
-                <a:schemeClr val="tx1"/>
-              </a:solidFill>
-            </a:endParaRPr>
-          </a:p>
-        </p:txBody>
-      </p:sp>
-      <p:sp>
-        <p:nvSpPr>
-          <p:cNvPr id="2" name="タイトル 1"/>
-          <p:cNvSpPr>
-            <a:spLocks noGrp="1"/>
-          </p:cNvSpPr>
-          <p:nvPr>
-            <p:ph type="title"/>
-          </p:nvPr>
-        </p:nvSpPr>
-        <p:spPr/>
-        <p:txBody>
-          <a:bodyPr/>
-          <a:lstStyle/>
-          <a:p>
-            <a:r>
-              <a:rPr kumimoji="1" lang="en-US" altLang="ja-JP" dirty="0" smtClean="0"/>
-              <a:t>3</a:t>
-            </a:r>
-            <a:r>
-              <a:rPr kumimoji="1" lang="ja-JP" altLang="en-US" dirty="0" smtClean="0"/>
-              <a:t>種類のステークホルダと行動原理</a:t>
-            </a:r>
-            <a:endParaRPr kumimoji="1" lang="ja-JP" altLang="en-US" dirty="0"/>
-          </a:p>
-        </p:txBody>
-      </p:sp>
-      <p:sp>
-        <p:nvSpPr>
-          <p:cNvPr id="3" name="コンテンツ プレースホルダー 2"/>
-          <p:cNvSpPr>
-            <a:spLocks noGrp="1"/>
-          </p:cNvSpPr>
-          <p:nvPr>
-            <p:ph idx="1"/>
-          </p:nvPr>
-        </p:nvSpPr>
-        <p:spPr>
-          <a:xfrm>
-            <a:off x="1097280" y="1845734"/>
-            <a:ext cx="2533426" cy="4023360"/>
-          </a:xfrm>
-        </p:spPr>
-        <p:txBody>
-          <a:bodyPr/>
-          <a:lstStyle/>
-          <a:p>
-            <a:pPr>
-              <a:buFont typeface="Wingdings" panose="05000000000000000000" pitchFamily="2" charset="2"/>
-              <a:buChar char="l"/>
-            </a:pPr>
-            <a:r>
-              <a:rPr kumimoji="1" lang="ja-JP" altLang="en-US" dirty="0" smtClean="0"/>
-              <a:t>生活者・市民</a:t>
-            </a:r>
-            <a:endParaRPr kumimoji="1" lang="en-US" altLang="ja-JP" dirty="0" smtClean="0"/>
-          </a:p>
-          <a:p>
-            <a:pPr lvl="1">
-              <a:buFont typeface="Wingdings" panose="05000000000000000000" pitchFamily="2" charset="2"/>
-              <a:buChar char="l"/>
-            </a:pPr>
-            <a:r>
-              <a:rPr lang="ja-JP" altLang="en-US" dirty="0" smtClean="0"/>
-              <a:t>自己満足・自己実現</a:t>
-            </a:r>
-            <a:endParaRPr lang="en-US" altLang="ja-JP" dirty="0" smtClean="0"/>
-          </a:p>
-          <a:p>
-            <a:pPr lvl="1">
-              <a:buFont typeface="Wingdings" panose="05000000000000000000" pitchFamily="2" charset="2"/>
-              <a:buChar char="l"/>
-            </a:pPr>
-            <a:endParaRPr lang="en-US" altLang="ja-JP" dirty="0"/>
-          </a:p>
-          <a:p>
-            <a:pPr>
-              <a:buFont typeface="Wingdings" panose="05000000000000000000" pitchFamily="2" charset="2"/>
-              <a:buChar char="l"/>
-            </a:pPr>
-            <a:r>
-              <a:rPr lang="ja-JP" altLang="en-US" dirty="0" smtClean="0"/>
-              <a:t>企業</a:t>
-            </a:r>
-            <a:endParaRPr lang="en-US" altLang="ja-JP" dirty="0" smtClean="0"/>
-          </a:p>
-          <a:p>
-            <a:pPr lvl="1">
-              <a:buFont typeface="Wingdings" panose="05000000000000000000" pitchFamily="2" charset="2"/>
-              <a:buChar char="l"/>
-            </a:pPr>
-            <a:r>
-              <a:rPr kumimoji="1" lang="ja-JP" altLang="en-US" dirty="0" smtClean="0"/>
-              <a:t>自社利益の追求</a:t>
-            </a:r>
-            <a:endParaRPr kumimoji="1" lang="en-US" altLang="ja-JP" dirty="0" smtClean="0"/>
-          </a:p>
-          <a:p>
-            <a:pPr lvl="1">
-              <a:buFont typeface="Wingdings" panose="05000000000000000000" pitchFamily="2" charset="2"/>
-              <a:buChar char="l"/>
-            </a:pPr>
-            <a:endParaRPr kumimoji="1" lang="en-US" altLang="ja-JP" dirty="0"/>
-          </a:p>
-          <a:p>
-            <a:pPr>
-              <a:buFont typeface="Wingdings" panose="05000000000000000000" pitchFamily="2" charset="2"/>
-              <a:buChar char="l"/>
-            </a:pPr>
-            <a:r>
-              <a:rPr lang="ja-JP" altLang="en-US" dirty="0" smtClean="0"/>
-              <a:t>行政</a:t>
-            </a:r>
-            <a:endParaRPr lang="en-US" altLang="ja-JP" dirty="0" smtClean="0"/>
-          </a:p>
-          <a:p>
-            <a:pPr lvl="1">
-              <a:buFont typeface="Wingdings" panose="05000000000000000000" pitchFamily="2" charset="2"/>
-              <a:buChar char="l"/>
-            </a:pPr>
-            <a:r>
-              <a:rPr kumimoji="1" lang="ja-JP" altLang="en-US" dirty="0" smtClean="0"/>
-              <a:t>公平・平等</a:t>
-            </a:r>
-            <a:endParaRPr kumimoji="1" lang="en-US" altLang="ja-JP" dirty="0" smtClean="0"/>
-          </a:p>
-        </p:txBody>
-      </p:sp>
-      <p:sp>
-        <p:nvSpPr>
-          <p:cNvPr id="4" name="スライド番号プレースホルダー 3"/>
-          <p:cNvSpPr>
-            <a:spLocks noGrp="1"/>
-          </p:cNvSpPr>
-          <p:nvPr>
-            <p:ph type="sldNum" sz="quarter" idx="12"/>
-          </p:nvPr>
-        </p:nvSpPr>
-        <p:spPr/>
-        <p:txBody>
-          <a:bodyPr/>
-          <a:lstStyle/>
-          <a:p>
-            <a:fld id="{A4E6642C-D3C9-4DC2-8962-09BE970CAC7A}" type="slidenum">
-              <a:rPr kumimoji="1" lang="ja-JP" altLang="en-US" smtClean="0"/>
-              <a:t>4</a:t>
-            </a:fld>
-            <a:endParaRPr kumimoji="1" lang="ja-JP" altLang="en-US"/>
-          </a:p>
-        </p:txBody>
-      </p:sp>
-      <p:sp>
-        <p:nvSpPr>
-          <p:cNvPr id="6" name="テキスト ボックス 5"/>
-          <p:cNvSpPr txBox="1"/>
-          <p:nvPr/>
-        </p:nvSpPr>
-        <p:spPr>
-          <a:xfrm>
-            <a:off x="5657774" y="2158745"/>
-            <a:ext cx="5331909" cy="954107"/>
-          </a:xfrm>
-          <a:prstGeom prst="rect">
-            <a:avLst/>
-          </a:prstGeom>
-          <a:noFill/>
-        </p:spPr>
-        <p:txBody>
-          <a:bodyPr wrap="none" rtlCol="0">
-            <a:spAutoFit/>
-          </a:bodyPr>
-          <a:lstStyle/>
-          <a:p>
-            <a:r>
-              <a:rPr kumimoji="1" lang="ja-JP" altLang="en-US" sz="2800" dirty="0" smtClean="0"/>
-              <a:t>これでは行動原理が</a:t>
-            </a:r>
-            <a:endParaRPr kumimoji="1" lang="en-US" altLang="ja-JP" sz="2800" dirty="0" smtClean="0"/>
-          </a:p>
-          <a:p>
-            <a:r>
-              <a:rPr kumimoji="1" lang="ja-JP" altLang="en-US" sz="2800" dirty="0" smtClean="0"/>
-              <a:t>バラバラでコンセンサスが得にくい</a:t>
-            </a:r>
-            <a:endParaRPr kumimoji="1" lang="ja-JP" altLang="en-US" sz="2800" dirty="0"/>
+              <a:rPr kumimoji="1" lang="ja-JP" altLang="en-US" sz="2400" dirty="0" smtClean="0"/>
+              <a:t>プロジェクト成果物の品質と生産性を左右する</a:t>
+            </a:r>
+            <a:endParaRPr kumimoji="1" lang="ja-JP" altLang="en-US" sz="2400" dirty="0"/>
           </a:p>
         </p:txBody>
       </p:sp>
     </p:spTree>
     <p:extLst>
       <p:ext uri="{BB962C8B-B14F-4D97-AF65-F5344CB8AC3E}">
-        <p14:creationId xmlns:p14="http://schemas.microsoft.com/office/powerpoint/2010/main" val="1150859750"/>
+        <p14:creationId xmlns:p14="http://schemas.microsoft.com/office/powerpoint/2010/main" val="3024941790"/>
       </p:ext>
     </p:extLst>
   </p:cSld>
@@ -5651,9 +5745,6 @@
                     <p:cTn id="3" fill="hold">
                       <p:stCondLst>
                         <p:cond delay="indefinite"/>
-                        <p:cond evt="onBegin" delay="0">
-                          <p:tn val="2"/>
-                        </p:cond>
                       </p:stCondLst>
                       <p:childTnLst>
                         <p:par>
@@ -5663,7 +5754,7 @@
                             </p:stCondLst>
                             <p:childTnLst>
                               <p:par>
-                                <p:cTn id="5" presetID="10" presetClass="entr" presetSubtype="0" fill="hold" grpId="0" nodeType="withEffect">
+                                <p:cTn id="5" presetID="10" presetClass="entr" presetSubtype="0" fill="hold" grpId="0" nodeType="clickEffect">
                                   <p:stCondLst>
                                     <p:cond delay="0"/>
                                   </p:stCondLst>
@@ -5676,7 +5767,7 @@
                                           </p:stCondLst>
                                         </p:cTn>
                                         <p:tgtEl>
-                                          <p:spTgt spid="6"/>
+                                          <p:spTgt spid="5"/>
                                         </p:tgtEl>
                                         <p:attrNameLst>
                                           <p:attrName>style.visibility</p:attrName>
@@ -5690,215 +5781,7 @@
                                       <p:cBhvr>
                                         <p:cTn id="7" dur="500"/>
                                         <p:tgtEl>
-                                          <p:spTgt spid="6"/>
-                                        </p:tgtEl>
-                                      </p:cBhvr>
-                                    </p:animEffect>
-                                  </p:childTnLst>
-                                </p:cTn>
-                              </p:par>
-                            </p:childTnLst>
-                          </p:cTn>
-                        </p:par>
-                      </p:childTnLst>
-                    </p:cTn>
-                  </p:par>
-                  <p:par>
-                    <p:cTn id="8" fill="hold">
-                      <p:stCondLst>
-                        <p:cond delay="indefinite"/>
-                      </p:stCondLst>
-                      <p:childTnLst>
-                        <p:par>
-                          <p:cTn id="9" fill="hold">
-                            <p:stCondLst>
-                              <p:cond delay="0"/>
-                            </p:stCondLst>
-                            <p:childTnLst>
-                              <p:par>
-                                <p:cTn id="10" presetID="10" presetClass="entr" presetSubtype="0" fill="hold" nodeType="clickEffect">
-                                  <p:stCondLst>
-                                    <p:cond delay="0"/>
-                                  </p:stCondLst>
-                                  <p:childTnLst>
-                                    <p:set>
-                                      <p:cBhvr>
-                                        <p:cTn id="11" dur="1" fill="hold">
-                                          <p:stCondLst>
-                                            <p:cond delay="0"/>
-                                          </p:stCondLst>
-                                        </p:cTn>
-                                        <p:tgtEl>
-                                          <p:spTgt spid="6">
-                                            <p:txEl>
-                                              <p:pRg st="0" end="0"/>
-                                            </p:txEl>
-                                          </p:spTgt>
-                                        </p:tgtEl>
-                                        <p:attrNameLst>
-                                          <p:attrName>style.visibility</p:attrName>
-                                        </p:attrNameLst>
-                                      </p:cBhvr>
-                                      <p:to>
-                                        <p:strVal val="visible"/>
-                                      </p:to>
-                                    </p:set>
-                                    <p:animEffect transition="in" filter="fade">
-                                      <p:cBhvr>
-                                        <p:cTn id="12" dur="500"/>
-                                        <p:tgtEl>
-                                          <p:spTgt spid="6">
-                                            <p:txEl>
-                                              <p:pRg st="0" end="0"/>
-                                            </p:txEl>
-                                          </p:spTgt>
-                                        </p:tgtEl>
-                                      </p:cBhvr>
-                                    </p:animEffect>
-                                  </p:childTnLst>
-                                </p:cTn>
-                              </p:par>
-                              <p:par>
-                                <p:cTn id="13" presetID="10" presetClass="entr" presetSubtype="0" fill="hold" nodeType="withEffect">
-                                  <p:stCondLst>
-                                    <p:cond delay="0"/>
-                                  </p:stCondLst>
-                                  <p:childTnLst>
-                                    <p:set>
-                                      <p:cBhvr>
-                                        <p:cTn id="14" dur="1" fill="hold">
-                                          <p:stCondLst>
-                                            <p:cond delay="0"/>
-                                          </p:stCondLst>
-                                        </p:cTn>
-                                        <p:tgtEl>
-                                          <p:spTgt spid="6">
-                                            <p:txEl>
-                                              <p:pRg st="1" end="1"/>
-                                            </p:txEl>
-                                          </p:spTgt>
-                                        </p:tgtEl>
-                                        <p:attrNameLst>
-                                          <p:attrName>style.visibility</p:attrName>
-                                        </p:attrNameLst>
-                                      </p:cBhvr>
-                                      <p:to>
-                                        <p:strVal val="visible"/>
-                                      </p:to>
-                                    </p:set>
-                                    <p:animEffect transition="in" filter="fade">
-                                      <p:cBhvr>
-                                        <p:cTn id="15" dur="500"/>
-                                        <p:tgtEl>
-                                          <p:spTgt spid="6">
-                                            <p:txEl>
-                                              <p:pRg st="1" end="1"/>
-                                            </p:txEl>
-                                          </p:spTgt>
-                                        </p:tgtEl>
-                                      </p:cBhvr>
-                                    </p:animEffect>
-                                  </p:childTnLst>
-                                </p:cTn>
-                              </p:par>
-                            </p:childTnLst>
-                          </p:cTn>
-                        </p:par>
-                      </p:childTnLst>
-                    </p:cTn>
-                  </p:par>
-                  <p:par>
-                    <p:cTn id="16" fill="hold">
-                      <p:stCondLst>
-                        <p:cond delay="indefinite"/>
-                      </p:stCondLst>
-                      <p:childTnLst>
-                        <p:par>
-                          <p:cTn id="17" fill="hold">
-                            <p:stCondLst>
-                              <p:cond delay="0"/>
-                            </p:stCondLst>
-                            <p:childTnLst>
-                              <p:par>
-                                <p:cTn id="18" presetID="10" presetClass="entr" presetSubtype="0" fill="hold" nodeType="clickEffect">
-                                  <p:stCondLst>
-                                    <p:cond delay="0"/>
-                                  </p:stCondLst>
-                                  <p:childTnLst>
-                                    <p:set>
-                                      <p:cBhvr>
-                                        <p:cTn id="19" dur="1" fill="hold">
-                                          <p:stCondLst>
-                                            <p:cond delay="0"/>
-                                          </p:stCondLst>
-                                        </p:cTn>
-                                        <p:tgtEl>
-                                          <p:spTgt spid="5">
-                                            <p:txEl>
-                                              <p:pRg st="2" end="2"/>
-                                            </p:txEl>
-                                          </p:spTgt>
-                                        </p:tgtEl>
-                                        <p:attrNameLst>
-                                          <p:attrName>style.visibility</p:attrName>
-                                        </p:attrNameLst>
-                                      </p:cBhvr>
-                                      <p:to>
-                                        <p:strVal val="visible"/>
-                                      </p:to>
-                                    </p:set>
-                                    <p:animEffect transition="in" filter="fade">
-                                      <p:cBhvr>
-                                        <p:cTn id="20" dur="500"/>
-                                        <p:tgtEl>
-                                          <p:spTgt spid="5">
-                                            <p:txEl>
-                                              <p:pRg st="2" end="2"/>
-                                            </p:txEl>
-                                          </p:spTgt>
-                                        </p:tgtEl>
-                                      </p:cBhvr>
-                                    </p:animEffect>
-                                  </p:childTnLst>
-                                </p:cTn>
-                              </p:par>
-                              <p:par>
-                                <p:cTn id="21" presetID="10" presetClass="entr" presetSubtype="0" fill="hold" nodeType="withEffect">
-                                  <p:stCondLst>
-                                    <p:cond delay="0"/>
-                                  </p:stCondLst>
-                                  <p:childTnLst>
-                                    <p:set>
-                                      <p:cBhvr>
-                                        <p:cTn id="22" dur="1" fill="hold">
-                                          <p:stCondLst>
-                                            <p:cond delay="0"/>
-                                          </p:stCondLst>
-                                        </p:cTn>
-                                        <p:tgtEl>
-                                          <p:spTgt spid="5">
-                                            <p:txEl>
-                                              <p:pRg st="4" end="4"/>
-                                            </p:txEl>
-                                          </p:spTgt>
-                                        </p:tgtEl>
-                                        <p:attrNameLst>
-                                          <p:attrName>style.visibility</p:attrName>
-                                        </p:attrNameLst>
-                                      </p:cBhvr>
-                                      <p:to>
-                                        <p:strVal val="visible"/>
-                                      </p:to>
-                                    </p:set>
-                                    <p:animEffect transition="in" filter="fade">
-                                      <p:cBhvr>
-                                        <p:cTn id="23" dur="500"/>
-                                        <p:tgtEl>
-                                          <p:spTgt spid="5">
-                                            <p:txEl>
-                                              <p:pRg st="4" end="4"/>
-                                            </p:txEl>
-                                          </p:spTgt>
+                                          <p:spTgt spid="5"/>
                                         </p:tgtEl>
                                       </p:cBhvr>
                                     </p:animEffect>
@@ -5933,8 +5816,189 @@
       </p:par>
     </p:tnLst>
     <p:bldLst>
-      <p:bldP spid="6" grpId="0"/>
+      <p:bldP spid="5" grpId="0" animBg="1"/>
     </p:bldLst>
+  </p:timing>
+</p:sld>
+</file>
+
+<file path=ppt/slides/slide4.xml><?xml version="1.0" encoding="utf-8"?>
+<p:sld xmlns:a="http://schemas.openxmlformats.org/drawingml/2006/main" xmlns:r="http://schemas.openxmlformats.org/officeDocument/2006/relationships" xmlns:p="http://schemas.openxmlformats.org/presentationml/2006/main">
+  <p:cSld>
+    <p:spTree>
+      <p:nvGrpSpPr>
+        <p:cNvPr id="1" name=""/>
+        <p:cNvGrpSpPr/>
+        <p:nvPr/>
+      </p:nvGrpSpPr>
+      <p:grpSpPr>
+        <a:xfrm>
+          <a:off x="0" y="0"/>
+          <a:ext cx="0" cy="0"/>
+          <a:chOff x="0" y="0"/>
+          <a:chExt cx="0" cy="0"/>
+        </a:xfrm>
+      </p:grpSpPr>
+      <p:sp>
+        <p:nvSpPr>
+          <p:cNvPr id="2" name="タイトル 1"/>
+          <p:cNvSpPr>
+            <a:spLocks noGrp="1"/>
+          </p:cNvSpPr>
+          <p:nvPr>
+            <p:ph type="title"/>
+          </p:nvPr>
+        </p:nvSpPr>
+        <p:spPr/>
+        <p:txBody>
+          <a:bodyPr/>
+          <a:lstStyle/>
+          <a:p>
+            <a:r>
+              <a:rPr kumimoji="1" lang="ja-JP" altLang="en-US" dirty="0" smtClean="0"/>
+              <a:t>プロジェクトの概要</a:t>
+            </a:r>
+            <a:endParaRPr kumimoji="1" lang="ja-JP" altLang="en-US" dirty="0"/>
+          </a:p>
+        </p:txBody>
+      </p:sp>
+      <p:sp>
+        <p:nvSpPr>
+          <p:cNvPr id="3" name="コンテンツ プレースホルダー 2"/>
+          <p:cNvSpPr>
+            <a:spLocks noGrp="1"/>
+          </p:cNvSpPr>
+          <p:nvPr>
+            <p:ph idx="1"/>
+          </p:nvPr>
+        </p:nvSpPr>
+        <p:spPr/>
+        <p:txBody>
+          <a:bodyPr>
+            <a:normAutofit/>
+          </a:bodyPr>
+          <a:lstStyle/>
+          <a:p>
+            <a:r>
+              <a:rPr kumimoji="1" lang="ja-JP" altLang="en-US" dirty="0" smtClean="0"/>
+              <a:t>金融機関におけるバンキングシステム，</a:t>
+            </a:r>
+            <a:r>
+              <a:rPr kumimoji="1" lang="en-US" altLang="ja-JP" dirty="0" smtClean="0"/>
+              <a:t>e</a:t>
+            </a:r>
+            <a:r>
+              <a:rPr kumimoji="1" lang="ja-JP" altLang="en-US" dirty="0" smtClean="0"/>
+              <a:t>コマース企業における</a:t>
+            </a:r>
+            <a:r>
+              <a:rPr kumimoji="1" lang="en-US" altLang="ja-JP" dirty="0" smtClean="0"/>
+              <a:t>WEB</a:t>
+            </a:r>
+            <a:r>
+              <a:rPr kumimoji="1" lang="ja-JP" altLang="en-US" dirty="0" smtClean="0"/>
+              <a:t>販売・</a:t>
+            </a:r>
+            <a:endParaRPr kumimoji="1" lang="en-US" altLang="ja-JP" dirty="0" smtClean="0"/>
+          </a:p>
+          <a:p>
+            <a:pPr marL="0" indent="0">
+              <a:buNone/>
+            </a:pPr>
+            <a:r>
+              <a:rPr lang="ja-JP" altLang="en-US" dirty="0" smtClean="0"/>
+              <a:t>　決済・物流システムなどを提供する</a:t>
+            </a:r>
+            <a:r>
+              <a:rPr lang="en-US" altLang="ja-JP" dirty="0" smtClean="0"/>
+              <a:t>IT</a:t>
+            </a:r>
+            <a:r>
+              <a:rPr lang="ja-JP" altLang="en-US" dirty="0" smtClean="0"/>
+              <a:t>システムが低品質であると</a:t>
+            </a:r>
+            <a:endParaRPr lang="en-US" altLang="ja-JP" dirty="0" smtClean="0"/>
+          </a:p>
+          <a:p>
+            <a:pPr lvl="1"/>
+            <a:r>
+              <a:rPr lang="ja-JP" altLang="en-US" dirty="0"/>
+              <a:t>当該企業</a:t>
+            </a:r>
+            <a:r>
+              <a:rPr lang="ja-JP" altLang="en-US" dirty="0" smtClean="0"/>
+              <a:t>等の弱点となってしまう</a:t>
+            </a:r>
+            <a:endParaRPr lang="en-US" altLang="ja-JP" dirty="0" smtClean="0"/>
+          </a:p>
+          <a:p>
+            <a:pPr lvl="1"/>
+            <a:endParaRPr lang="en-US" altLang="ja-JP" dirty="0" smtClean="0"/>
+          </a:p>
+          <a:p>
+            <a:r>
+              <a:rPr kumimoji="1" lang="ja-JP" altLang="en-US" dirty="0" smtClean="0"/>
+              <a:t>経営資源も無尽蔵ではなく，競合他社との競争上，時間にも制限がある．こうした顧客向け企業の経営目標達成に</a:t>
+            </a:r>
+            <a:r>
+              <a:rPr kumimoji="1" lang="en-US" altLang="ja-JP" dirty="0" smtClean="0"/>
+              <a:t>IT</a:t>
+            </a:r>
+            <a:r>
+              <a:rPr kumimoji="1" lang="ja-JP" altLang="en-US" dirty="0" smtClean="0"/>
+              <a:t>ベンダーが貢献するためには</a:t>
+            </a:r>
+            <a:endParaRPr kumimoji="1" lang="en-US" altLang="ja-JP" dirty="0" smtClean="0"/>
+          </a:p>
+          <a:p>
+            <a:pPr lvl="1"/>
+            <a:r>
+              <a:rPr kumimoji="1" lang="ja-JP" altLang="en-US" dirty="0" smtClean="0"/>
+              <a:t>顧客の対象事業の重要度に応じて適切な品質を，効率的に提供することが求められる</a:t>
+            </a:r>
+            <a:endParaRPr kumimoji="1" lang="ja-JP" altLang="en-US" dirty="0"/>
+          </a:p>
+        </p:txBody>
+      </p:sp>
+      <p:sp>
+        <p:nvSpPr>
+          <p:cNvPr id="4" name="スライド番号プレースホルダー 3"/>
+          <p:cNvSpPr>
+            <a:spLocks noGrp="1"/>
+          </p:cNvSpPr>
+          <p:nvPr>
+            <p:ph type="sldNum" sz="quarter" idx="12"/>
+          </p:nvPr>
+        </p:nvSpPr>
+        <p:spPr/>
+        <p:txBody>
+          <a:bodyPr/>
+          <a:lstStyle/>
+          <a:p>
+            <a:fld id="{A4E6642C-D3C9-4DC2-8962-09BE970CAC7A}" type="slidenum">
+              <a:rPr kumimoji="1" lang="ja-JP" altLang="en-US" smtClean="0"/>
+              <a:t>4</a:t>
+            </a:fld>
+            <a:endParaRPr kumimoji="1" lang="ja-JP" altLang="en-US"/>
+          </a:p>
+        </p:txBody>
+      </p:sp>
+    </p:spTree>
+    <p:extLst>
+      <p:ext uri="{BB962C8B-B14F-4D97-AF65-F5344CB8AC3E}">
+        <p14:creationId xmlns:p14="http://schemas.microsoft.com/office/powerpoint/2010/main" val="613263784"/>
+      </p:ext>
+    </p:extLst>
+  </p:cSld>
+  <p:clrMapOvr>
+    <a:masterClrMapping/>
+  </p:clrMapOvr>
+  <p:timing>
+    <p:tnLst>
+      <p:par>
+        <p:cTn id="1" dur="indefinite" restart="never" nodeType="tmRoot"/>
+      </p:par>
+    </p:tnLst>
   </p:timing>
 </p:sld>
 </file>
@@ -5973,7 +6037,7 @@
           <a:p>
             <a:r>
               <a:rPr kumimoji="1" lang="ja-JP" altLang="en-US" dirty="0" smtClean="0"/>
-              <a:t>大規模プロジェクトの場合のポイント</a:t>
+              <a:t>プロローグ</a:t>
             </a:r>
             <a:endParaRPr kumimoji="1" lang="ja-JP" altLang="en-US" dirty="0"/>
           </a:p>
@@ -5994,66 +6058,77 @@
           <a:bodyPr/>
           <a:lstStyle/>
           <a:p>
-            <a:pPr lvl="1">
+            <a:pPr>
               <a:buFont typeface="Wingdings" panose="05000000000000000000" pitchFamily="2" charset="2"/>
               <a:buChar char="l"/>
             </a:pPr>
             <a:r>
-              <a:rPr kumimoji="1" lang="ja-JP" altLang="en-US" sz="2400" dirty="0" smtClean="0"/>
-              <a:t>プロジェクトの達成指数について，全てのステークホルダが納得できる「高い理念」に基づいたスコープを設定する</a:t>
-            </a:r>
-            <a:endParaRPr kumimoji="1" lang="en-US" altLang="ja-JP" sz="2400" dirty="0" smtClean="0"/>
-          </a:p>
-          <a:p>
-            <a:pPr lvl="1">
-              <a:buFont typeface="Wingdings" panose="05000000000000000000" pitchFamily="2" charset="2"/>
-              <a:buChar char="l"/>
+              <a:rPr lang="ja-JP" altLang="en-US" dirty="0"/>
+              <a:t>基幹</a:t>
+            </a:r>
+            <a:r>
+              <a:rPr lang="ja-JP" altLang="en-US" dirty="0" smtClean="0"/>
+              <a:t>業務</a:t>
+            </a:r>
+            <a:r>
+              <a:rPr lang="en-US" altLang="ja-JP" dirty="0" smtClean="0"/>
+              <a:t>IT</a:t>
+            </a:r>
+            <a:r>
+              <a:rPr lang="ja-JP" altLang="en-US" dirty="0" smtClean="0"/>
+              <a:t>システム</a:t>
+            </a:r>
+            <a:r>
+              <a:rPr lang="ja-JP" altLang="en-US" dirty="0"/>
+              <a:t>は</a:t>
+            </a:r>
+            <a:r>
+              <a:rPr lang="ja-JP" altLang="en-US" dirty="0" smtClean="0"/>
+              <a:t>，厳しい競争を勝ち抜くため，新商品や新サービス</a:t>
+            </a:r>
+            <a:endParaRPr lang="en-US" altLang="ja-JP" dirty="0" smtClean="0"/>
+          </a:p>
+          <a:p>
+            <a:pPr marL="0" indent="0">
+              <a:buNone/>
             </a:pPr>
-            <a:endParaRPr lang="en-US" altLang="ja-JP" sz="2400" dirty="0"/>
-          </a:p>
-          <a:p>
-            <a:pPr lvl="1">
-              <a:buFont typeface="Wingdings" panose="05000000000000000000" pitchFamily="2" charset="2"/>
-              <a:buChar char="l"/>
-            </a:pPr>
-            <a:r>
-              <a:rPr kumimoji="1" lang="ja-JP" altLang="en-US" sz="2400" dirty="0" smtClean="0"/>
-              <a:t>プロジェクトの運営が公平・公明に行われる</a:t>
-            </a:r>
-            <a:endParaRPr kumimoji="1" lang="en-US" altLang="ja-JP" sz="2400" dirty="0" smtClean="0"/>
-          </a:p>
-          <a:p>
-            <a:pPr lvl="1">
-              <a:buFont typeface="Wingdings" panose="05000000000000000000" pitchFamily="2" charset="2"/>
-              <a:buChar char="l"/>
-            </a:pPr>
-            <a:endParaRPr lang="en-US" altLang="ja-JP" sz="2400" dirty="0"/>
-          </a:p>
-          <a:p>
-            <a:pPr lvl="1">
-              <a:buFont typeface="Wingdings" panose="05000000000000000000" pitchFamily="2" charset="2"/>
-              <a:buChar char="l"/>
-            </a:pPr>
-            <a:r>
-              <a:rPr kumimoji="1" lang="ja-JP" altLang="en-US" sz="2400" dirty="0" smtClean="0"/>
-              <a:t>全てのステークホルダに，必要十分な情報がタイムリーに行き渡り，公開を前提としたプロジェクトの意思決定に平等な</a:t>
-            </a:r>
-            <a:r>
-              <a:rPr lang="ja-JP" altLang="en-US" sz="2400" dirty="0"/>
-              <a:t>立場</a:t>
-            </a:r>
-            <a:r>
-              <a:rPr lang="ja-JP" altLang="en-US" sz="2400" dirty="0" smtClean="0"/>
-              <a:t>で参加できること</a:t>
-            </a:r>
-            <a:endParaRPr kumimoji="1" lang="en-US" altLang="ja-JP" sz="2400" dirty="0"/>
-          </a:p>
-          <a:p>
-            <a:pPr lvl="1">
-              <a:buFont typeface="Wingdings" panose="05000000000000000000" pitchFamily="2" charset="2"/>
-              <a:buChar char="l"/>
-            </a:pPr>
-            <a:endParaRPr kumimoji="1" lang="ja-JP" altLang="en-US" dirty="0"/>
+            <a:r>
+              <a:rPr lang="ja-JP" altLang="en-US" dirty="0" smtClean="0"/>
+              <a:t>　への対応，既存サービスの変更等，機能追加対応を断続的に行っている</a:t>
+            </a:r>
+            <a:endParaRPr lang="en-US" altLang="ja-JP" dirty="0" smtClean="0"/>
+          </a:p>
+          <a:p>
+            <a:pPr lvl="1"/>
+            <a:r>
+              <a:rPr lang="ja-JP" altLang="en-US" dirty="0" smtClean="0"/>
+              <a:t>しかし，新機能の提供に伴って新規機能や既存機能に不具合が発生することも多く，このシステムの継続的機能追加にかかる品質向上が経営上の重要課題になっていた</a:t>
+            </a:r>
+            <a:endParaRPr lang="en-US" altLang="ja-JP" dirty="0" smtClean="0"/>
+          </a:p>
+          <a:p>
+            <a:pPr lvl="1"/>
+            <a:r>
+              <a:rPr lang="ja-JP" altLang="en-US" dirty="0" smtClean="0"/>
+              <a:t>そのため，品質や進捗の管理強化やテスト強化することによりリリース後のトラブル発生率は減少</a:t>
+            </a:r>
+            <a:endParaRPr lang="en-US" altLang="ja-JP" dirty="0" smtClean="0"/>
+          </a:p>
+          <a:p>
+            <a:pPr lvl="1"/>
+            <a:r>
+              <a:rPr lang="ja-JP" altLang="en-US" dirty="0"/>
+              <a:t>だが</a:t>
+            </a:r>
+            <a:r>
+              <a:rPr lang="ja-JP" altLang="en-US" dirty="0" smtClean="0"/>
+              <a:t>，外部に影響が及ぶ重要トラブルがなかなか減少しなかった</a:t>
+            </a:r>
+            <a:endParaRPr lang="en-US" altLang="ja-JP" dirty="0"/>
+          </a:p>
+          <a:p>
+            <a:pPr lvl="1"/>
+            <a:endParaRPr lang="en-US" altLang="ja-JP" dirty="0" smtClean="0"/>
           </a:p>
         </p:txBody>
       </p:sp>
@@ -6083,7 +6158,7 @@
     </p:spTree>
     <p:extLst>
       <p:ext uri="{BB962C8B-B14F-4D97-AF65-F5344CB8AC3E}">
-        <p14:creationId xmlns:p14="http://schemas.microsoft.com/office/powerpoint/2010/main" val="613263784"/>
+        <p14:creationId xmlns:p14="http://schemas.microsoft.com/office/powerpoint/2010/main" val="2710493664"/>
       </p:ext>
     </p:extLst>
   </p:cSld>
@@ -6134,7 +6209,7 @@
           <a:p>
             <a:r>
               <a:rPr kumimoji="1" lang="ja-JP" altLang="en-US" dirty="0" smtClean="0"/>
-              <a:t>プロジェクトの概要</a:t>
+              <a:t>レスキュー隊編成</a:t>
             </a:r>
             <a:endParaRPr kumimoji="1" lang="ja-JP" altLang="en-US" dirty="0"/>
           </a:p>
@@ -6150,9 +6225,16 @@
             <p:ph idx="1"/>
           </p:nvPr>
         </p:nvSpPr>
-        <p:spPr/>
-        <p:txBody>
-          <a:bodyPr/>
+        <p:spPr>
+          <a:xfrm>
+            <a:off x="1097280" y="1845734"/>
+            <a:ext cx="10058400" cy="4272678"/>
+          </a:xfrm>
+        </p:spPr>
+        <p:txBody>
+          <a:bodyPr>
+            <a:normAutofit/>
+          </a:bodyPr>
           <a:lstStyle/>
           <a:p>
             <a:pPr>
@@ -6160,56 +6242,45 @@
               <a:buChar char="l"/>
             </a:pPr>
             <a:r>
-              <a:rPr lang="en-US" altLang="ja-JP" dirty="0"/>
-              <a:t>SUICA</a:t>
-            </a:r>
-            <a:r>
-              <a:rPr kumimoji="1" lang="ja-JP" altLang="en-US" dirty="0" err="1" smtClean="0"/>
-              <a:t>，</a:t>
+              <a:rPr kumimoji="1" lang="ja-JP" altLang="en-US" dirty="0" smtClean="0"/>
+              <a:t>問題解決のため，システムの開発保守を担当する</a:t>
             </a:r>
             <a:r>
               <a:rPr kumimoji="1" lang="en-US" altLang="ja-JP" dirty="0" smtClean="0"/>
-              <a:t>PASMO</a:t>
+              <a:t>IT</a:t>
             </a:r>
             <a:r>
               <a:rPr kumimoji="1" lang="ja-JP" altLang="en-US" dirty="0" smtClean="0"/>
-              <a:t>等の</a:t>
-            </a:r>
-            <a:r>
-              <a:rPr kumimoji="1" lang="en-US" altLang="ja-JP" dirty="0" smtClean="0"/>
-              <a:t>IC</a:t>
-            </a:r>
-            <a:r>
-              <a:rPr kumimoji="1" lang="ja-JP" altLang="en-US" dirty="0" smtClean="0"/>
-              <a:t>カード</a:t>
-            </a:r>
+              <a:t>ベンダーのプロジェクトリーダーは「レスキュー隊」を編成</a:t>
+            </a:r>
+            <a:endParaRPr kumimoji="1" lang="en-US" altLang="ja-JP" dirty="0" smtClean="0"/>
+          </a:p>
+          <a:p>
+            <a:pPr lvl="1"/>
             <a:r>
               <a:rPr lang="ja-JP" altLang="en-US" dirty="0" smtClean="0"/>
-              <a:t>乗車券開発のベースとなった汎用電子乗車券開発プロジェクト</a:t>
+              <a:t>本件開発保守経験の長い者や，他システム開発保守経験が豊富で品質管理に対する理解も深い者で編成</a:t>
             </a:r>
             <a:endParaRPr lang="en-US" altLang="ja-JP" dirty="0" smtClean="0"/>
           </a:p>
           <a:p>
-            <a:pPr lvl="1">
-              <a:buFont typeface="Wingdings" panose="05000000000000000000" pitchFamily="2" charset="2"/>
-              <a:buChar char="l"/>
-            </a:pPr>
             <a:r>
               <a:rPr lang="ja-JP" altLang="en-US" dirty="0" smtClean="0"/>
-              <a:t>従来鉄道業界とバス業界でばらばらだった乗車券の仕様を統一する交通・運輸業界全体に関わる　　調整</a:t>
+              <a:t>問題を明確にするため，品質問題の深刻なチームの作業を観察</a:t>
             </a:r>
             <a:endParaRPr lang="en-US" altLang="ja-JP" dirty="0" smtClean="0"/>
           </a:p>
           <a:p>
-            <a:pPr lvl="1">
-              <a:buFont typeface="Wingdings" panose="05000000000000000000" pitchFamily="2" charset="2"/>
-              <a:buChar char="l"/>
-            </a:pPr>
-            <a:r>
-              <a:rPr kumimoji="1" lang="ja-JP" altLang="en-US" dirty="0" smtClean="0"/>
-              <a:t>競争企業同士を一つの方向にまとめる</a:t>
-            </a:r>
-            <a:endParaRPr kumimoji="1" lang="ja-JP" altLang="en-US" dirty="0"/>
+            <a:pPr lvl="1"/>
+            <a:r>
+              <a:rPr lang="ja-JP" altLang="en-US" dirty="0"/>
+              <a:t>レビュー</a:t>
+            </a:r>
+            <a:r>
+              <a:rPr lang="ja-JP" altLang="en-US" dirty="0" smtClean="0"/>
+              <a:t>記録が整備されていたため，レビュー自体は実施されていると思っていたが，実態は欠席者が多い，寝ている人がいる，遠くて声が聞こえない，資料が足りない，など様々な問題があり，記録上はレビューは実施されていたが，適切に機能してるとは言えなかった</a:t>
+            </a:r>
+            <a:endParaRPr kumimoji="1" lang="en-US" altLang="ja-JP" dirty="0" smtClean="0"/>
           </a:p>
         </p:txBody>
       </p:sp>
@@ -6239,7 +6310,7 @@
     </p:spTree>
     <p:extLst>
       <p:ext uri="{BB962C8B-B14F-4D97-AF65-F5344CB8AC3E}">
-        <p14:creationId xmlns:p14="http://schemas.microsoft.com/office/powerpoint/2010/main" val="2710493664"/>
+        <p14:creationId xmlns:p14="http://schemas.microsoft.com/office/powerpoint/2010/main" val="708444536"/>
       </p:ext>
     </p:extLst>
   </p:cSld>
@@ -6289,147 +6360,71 @@
           <a:lstStyle/>
           <a:p>
             <a:r>
-              <a:rPr kumimoji="1" lang="en-US" altLang="ja-JP" dirty="0" smtClean="0"/>
-              <a:t>IC</a:t>
-            </a:r>
+              <a:rPr lang="ja-JP" altLang="en-US" dirty="0" smtClean="0"/>
+              <a:t>レビューに参加する者の役割と責任を明確化</a:t>
+            </a:r>
+            <a:endParaRPr kumimoji="1" lang="ja-JP" altLang="en-US" dirty="0"/>
+          </a:p>
+        </p:txBody>
+      </p:sp>
+      <p:sp>
+        <p:nvSpPr>
+          <p:cNvPr id="3" name="コンテンツ プレースホルダー 2"/>
+          <p:cNvSpPr>
+            <a:spLocks noGrp="1"/>
+          </p:cNvSpPr>
+          <p:nvPr>
+            <p:ph idx="1"/>
+          </p:nvPr>
+        </p:nvSpPr>
+        <p:spPr/>
+        <p:txBody>
+          <a:bodyPr>
+            <a:normAutofit/>
+          </a:bodyPr>
+          <a:lstStyle/>
+          <a:p>
             <a:r>
               <a:rPr kumimoji="1" lang="ja-JP" altLang="en-US" dirty="0" smtClean="0"/>
-              <a:t>カード乗車券の課題</a:t>
-            </a:r>
-            <a:endParaRPr kumimoji="1" lang="ja-JP" altLang="en-US" dirty="0"/>
-          </a:p>
-        </p:txBody>
-      </p:sp>
-      <p:sp>
-        <p:nvSpPr>
-          <p:cNvPr id="3" name="コンテンツ プレースホルダー 2"/>
-          <p:cNvSpPr>
-            <a:spLocks noGrp="1"/>
-          </p:cNvSpPr>
-          <p:nvPr>
-            <p:ph idx="1"/>
-          </p:nvPr>
-        </p:nvSpPr>
-        <p:spPr>
-          <a:xfrm>
-            <a:off x="1097280" y="1845734"/>
-            <a:ext cx="10058400" cy="4272678"/>
-          </a:xfrm>
-        </p:spPr>
-        <p:txBody>
-          <a:bodyPr/>
-          <a:lstStyle/>
-          <a:p>
-            <a:pPr>
-              <a:buFont typeface="Wingdings" panose="05000000000000000000" pitchFamily="2" charset="2"/>
-              <a:buChar char="l"/>
+              <a:t>レスキュー隊は，チームのレビューのやり方を文書化</a:t>
+            </a:r>
+            <a:r>
+              <a:rPr lang="ja-JP" altLang="en-US" dirty="0" smtClean="0"/>
+              <a:t>し，更にそのレビューの酷さを直感的に伝えられるよう，その様子を漫画化してプロジェクトリーダーに報告を行った</a:t>
+            </a:r>
+            <a:endParaRPr lang="en-US" altLang="ja-JP" dirty="0" smtClean="0"/>
+          </a:p>
+          <a:p>
+            <a:pPr lvl="1"/>
+            <a:r>
+              <a:rPr lang="ja-JP" altLang="en-US" dirty="0" smtClean="0"/>
+              <a:t>プロジェクトリーダーは，レビューの問題は，このチームだけの問題だけではなく全体の</a:t>
+            </a:r>
+            <a:endParaRPr lang="en-US" altLang="ja-JP" dirty="0" smtClean="0"/>
+          </a:p>
+          <a:p>
+            <a:pPr marL="201168" lvl="1" indent="0">
+              <a:buNone/>
             </a:pPr>
             <a:r>
-              <a:rPr kumimoji="1" lang="ja-JP" altLang="en-US" dirty="0" smtClean="0"/>
-              <a:t>磁気式乗車券固有の問題・課題</a:t>
+              <a:rPr lang="ja-JP" altLang="en-US" dirty="0" smtClean="0"/>
+              <a:t>　　問題であると指摘し，レスキュー隊が作成した改善策を速やかに全体に浸透させるよう</a:t>
             </a:r>
             <a:endParaRPr lang="en-US" altLang="ja-JP" dirty="0" smtClean="0"/>
           </a:p>
           <a:p>
-            <a:pPr lvl="1">
-              <a:buFont typeface="Wingdings" panose="05000000000000000000" pitchFamily="2" charset="2"/>
-              <a:buChar char="l"/>
+            <a:pPr marL="201168" lvl="1" indent="0">
+              <a:buNone/>
             </a:pPr>
             <a:r>
-              <a:rPr kumimoji="1" lang="ja-JP" altLang="en-US" dirty="0" smtClean="0"/>
-              <a:t>改札口を通る度に定期券や乗車券を自動改札機に出し入れすること</a:t>
-            </a:r>
-            <a:endParaRPr kumimoji="1" lang="en-US" altLang="ja-JP" dirty="0" smtClean="0"/>
-          </a:p>
-          <a:p>
-            <a:pPr lvl="1">
-              <a:buFont typeface="Wingdings" panose="05000000000000000000" pitchFamily="2" charset="2"/>
-              <a:buChar char="l"/>
-            </a:pPr>
+              <a:rPr lang="ja-JP" altLang="en-US" dirty="0"/>
+              <a:t>　</a:t>
+            </a:r>
             <a:r>
               <a:rPr lang="ja-JP" altLang="en-US" dirty="0" smtClean="0"/>
-              <a:t>定期券の再発行が行えないため，紛失・盗難の対応が難しい</a:t>
-            </a:r>
-            <a:endParaRPr lang="en-US" altLang="ja-JP" dirty="0" smtClean="0"/>
-          </a:p>
-          <a:p>
-            <a:r>
-              <a:rPr lang="ja-JP" altLang="en-US" dirty="0" smtClean="0"/>
-              <a:t>規格統一</a:t>
-            </a:r>
-            <a:endParaRPr lang="en-US" altLang="ja-JP" dirty="0" smtClean="0"/>
-          </a:p>
-          <a:p>
-            <a:pPr lvl="1">
-              <a:buFont typeface="Wingdings" panose="05000000000000000000" pitchFamily="2" charset="2"/>
-              <a:buChar char="l"/>
-            </a:pPr>
-            <a:r>
-              <a:rPr kumimoji="1" lang="ja-JP" altLang="en-US" dirty="0" smtClean="0"/>
-              <a:t>東日本と西日本のカードの磁気情報の並び方に関する規格の違い，及び情報処理手順の違い</a:t>
-            </a:r>
-            <a:endParaRPr kumimoji="1" lang="en-US" altLang="ja-JP" dirty="0" smtClean="0"/>
-          </a:p>
-          <a:p>
-            <a:pPr lvl="1">
-              <a:buFont typeface="Wingdings" panose="05000000000000000000" pitchFamily="2" charset="2"/>
-              <a:buChar char="l"/>
-            </a:pPr>
-            <a:r>
-              <a:rPr lang="ja-JP" altLang="en-US" dirty="0" smtClean="0"/>
-              <a:t>同じ</a:t>
-            </a:r>
-            <a:r>
-              <a:rPr lang="ja-JP" altLang="en-US" dirty="0"/>
-              <a:t>鉄道</a:t>
-            </a:r>
-            <a:r>
-              <a:rPr lang="ja-JP" altLang="en-US" dirty="0" smtClean="0"/>
-              <a:t>グループの中でもバスと鉄道でカードの規格が異なっている</a:t>
-            </a:r>
-            <a:endParaRPr kumimoji="1" lang="en-US" altLang="ja-JP" dirty="0"/>
-          </a:p>
-          <a:p>
-            <a:pPr>
-              <a:buFont typeface="Wingdings" panose="05000000000000000000" pitchFamily="2" charset="2"/>
-              <a:buChar char="l"/>
-            </a:pPr>
-            <a:r>
-              <a:rPr lang="ja-JP" altLang="en-US" dirty="0" smtClean="0"/>
-              <a:t>国際標準</a:t>
-            </a:r>
-            <a:endParaRPr lang="en-US" altLang="ja-JP" dirty="0" smtClean="0"/>
-          </a:p>
-          <a:p>
-            <a:pPr lvl="1">
-              <a:buFont typeface="Wingdings" panose="05000000000000000000" pitchFamily="2" charset="2"/>
-              <a:buChar char="l"/>
-            </a:pPr>
-            <a:r>
-              <a:rPr kumimoji="1" lang="ja-JP" altLang="en-US" dirty="0"/>
-              <a:t>日本</a:t>
-            </a:r>
-            <a:r>
-              <a:rPr kumimoji="1" lang="ja-JP" altLang="en-US" dirty="0" smtClean="0"/>
-              <a:t>と香港で採用された</a:t>
-            </a:r>
-            <a:r>
-              <a:rPr kumimoji="1" lang="en-US" altLang="ja-JP" dirty="0" smtClean="0"/>
-              <a:t>IC</a:t>
-            </a:r>
-            <a:r>
-              <a:rPr kumimoji="1" lang="ja-JP" altLang="en-US" dirty="0" smtClean="0"/>
-              <a:t>カードの仕様は，</a:t>
-            </a:r>
-            <a:r>
-              <a:rPr kumimoji="1" lang="en-US" altLang="ja-JP" dirty="0" smtClean="0"/>
-              <a:t>ISO</a:t>
-            </a:r>
-            <a:r>
-              <a:rPr kumimoji="1" lang="ja-JP" altLang="en-US" dirty="0" smtClean="0"/>
-              <a:t>規格として採用される方向になかった</a:t>
-            </a:r>
-            <a:endParaRPr kumimoji="1" lang="en-US" altLang="ja-JP" dirty="0" smtClean="0"/>
+              <a:t>　指示を出した</a:t>
+            </a:r>
+            <a:endParaRPr lang="en-US" altLang="ja-JP" dirty="0"/>
           </a:p>
         </p:txBody>
       </p:sp>
@@ -6459,7 +6454,7 @@
     </p:spTree>
     <p:extLst>
       <p:ext uri="{BB962C8B-B14F-4D97-AF65-F5344CB8AC3E}">
-        <p14:creationId xmlns:p14="http://schemas.microsoft.com/office/powerpoint/2010/main" val="708444536"/>
+        <p14:creationId xmlns:p14="http://schemas.microsoft.com/office/powerpoint/2010/main" val="1275999467"/>
       </p:ext>
     </p:extLst>
   </p:cSld>
@@ -6510,7 +6505,7 @@
           <a:p>
             <a:r>
               <a:rPr kumimoji="1" lang="ja-JP" altLang="en-US" dirty="0" smtClean="0"/>
-              <a:t>他のタイプ</a:t>
+              <a:t>今回の事例で学んだこと</a:t>
             </a:r>
             <a:endParaRPr kumimoji="1" lang="ja-JP" altLang="en-US" dirty="0"/>
           </a:p>
@@ -6533,80 +6528,13 @@
           <a:p>
             <a:r>
               <a:rPr kumimoji="1" lang="ja-JP" altLang="en-US" dirty="0" smtClean="0"/>
-              <a:t>タイプ</a:t>
-            </a:r>
-            <a:r>
-              <a:rPr kumimoji="1" lang="en-US" altLang="ja-JP" dirty="0" smtClean="0"/>
-              <a:t>A</a:t>
-            </a:r>
+              <a:t>レビューの大切さについて学んだ</a:t>
+            </a:r>
+            <a:endParaRPr kumimoji="1" lang="en-US" altLang="ja-JP" dirty="0" smtClean="0"/>
           </a:p>
           <a:p>
             <a:pPr lvl="1"/>
-            <a:r>
-              <a:rPr lang="ja-JP" altLang="en-US" dirty="0" smtClean="0"/>
-              <a:t>長所：世界中に普及している</a:t>
-            </a:r>
-            <a:endParaRPr lang="en-US" altLang="ja-JP" dirty="0" smtClean="0"/>
-          </a:p>
-          <a:p>
-            <a:pPr lvl="1"/>
-            <a:r>
-              <a:rPr kumimoji="1" lang="ja-JP" altLang="en-US" dirty="0" smtClean="0"/>
-              <a:t>短所：プロトコルが高速処理向きでない，通信速度が上げられない</a:t>
-            </a:r>
-            <a:endParaRPr kumimoji="1" lang="en-US" altLang="ja-JP" dirty="0" smtClean="0"/>
-          </a:p>
-          <a:p>
-            <a:r>
-              <a:rPr lang="ja-JP" altLang="en-US" dirty="0" smtClean="0"/>
-              <a:t>タイプ</a:t>
-            </a:r>
-            <a:r>
-              <a:rPr lang="en-US" altLang="ja-JP" dirty="0" smtClean="0"/>
-              <a:t>B</a:t>
-            </a:r>
-          </a:p>
-          <a:p>
-            <a:pPr lvl="1"/>
-            <a:r>
-              <a:rPr lang="ja-JP" altLang="en-US" dirty="0" smtClean="0"/>
-              <a:t>長所：通信速度の高速化が可能</a:t>
-            </a:r>
-            <a:endParaRPr lang="en-US" altLang="ja-JP" dirty="0" smtClean="0"/>
-          </a:p>
-          <a:p>
-            <a:pPr lvl="1"/>
-            <a:r>
-              <a:rPr lang="ja-JP" altLang="en-US" dirty="0" smtClean="0"/>
-              <a:t>短所：プロトコルが高速処理向きでない</a:t>
-            </a:r>
-            <a:endParaRPr lang="en-US" altLang="ja-JP" dirty="0" smtClean="0"/>
-          </a:p>
-          <a:p>
-            <a:r>
-              <a:rPr lang="ja-JP" altLang="en-US" dirty="0" smtClean="0"/>
-              <a:t>タイプ</a:t>
-            </a:r>
-            <a:r>
-              <a:rPr lang="en-US" altLang="ja-JP" dirty="0" smtClean="0"/>
-              <a:t>C</a:t>
-            </a:r>
-          </a:p>
-          <a:p>
-            <a:pPr lvl="1"/>
-            <a:r>
-              <a:rPr lang="ja-JP" altLang="en-US" dirty="0" smtClean="0"/>
-              <a:t>長所：プロトコルが高速</a:t>
-            </a:r>
-            <a:endParaRPr lang="en-US" altLang="ja-JP" dirty="0" smtClean="0"/>
-          </a:p>
-          <a:p>
-            <a:pPr lvl="1"/>
-            <a:r>
-              <a:rPr lang="ja-JP" altLang="en-US" dirty="0" smtClean="0"/>
-              <a:t>短所：通信速度が上げられない</a:t>
-            </a:r>
-            <a:endParaRPr lang="en-US" altLang="ja-JP" dirty="0"/>
+            <a:endParaRPr kumimoji="1" lang="ja-JP" altLang="en-US" dirty="0"/>
           </a:p>
         </p:txBody>
       </p:sp>
@@ -6636,153 +6564,7 @@
     </p:spTree>
     <p:extLst>
       <p:ext uri="{BB962C8B-B14F-4D97-AF65-F5344CB8AC3E}">
-        <p14:creationId xmlns:p14="http://schemas.microsoft.com/office/powerpoint/2010/main" val="2813947643"/>
-      </p:ext>
-    </p:extLst>
-  </p:cSld>
-  <p:clrMapOvr>
-    <a:masterClrMapping/>
-  </p:clrMapOvr>
-  <p:timing>
-    <p:tnLst>
-      <p:par>
-        <p:cTn id="1" dur="indefinite" restart="never" nodeType="tmRoot"/>
-      </p:par>
-    </p:tnLst>
-  </p:timing>
-</p:sld>
-</file>
-
-<file path=ppt/slides/slide9.xml><?xml version="1.0" encoding="utf-8"?>
-<p:sld xmlns:a="http://schemas.openxmlformats.org/drawingml/2006/main" xmlns:r="http://schemas.openxmlformats.org/officeDocument/2006/relationships" xmlns:p="http://schemas.openxmlformats.org/presentationml/2006/main">
-  <p:cSld>
-    <p:spTree>
-      <p:nvGrpSpPr>
-        <p:cNvPr id="1" name=""/>
-        <p:cNvGrpSpPr/>
-        <p:nvPr/>
-      </p:nvGrpSpPr>
-      <p:grpSpPr>
-        <a:xfrm>
-          <a:off x="0" y="0"/>
-          <a:ext cx="0" cy="0"/>
-          <a:chOff x="0" y="0"/>
-          <a:chExt cx="0" cy="0"/>
-        </a:xfrm>
-      </p:grpSpPr>
-      <p:sp>
-        <p:nvSpPr>
-          <p:cNvPr id="2" name="タイトル 1"/>
-          <p:cNvSpPr>
-            <a:spLocks noGrp="1"/>
-          </p:cNvSpPr>
-          <p:nvPr>
-            <p:ph type="title"/>
-          </p:nvPr>
-        </p:nvSpPr>
-        <p:spPr/>
-        <p:txBody>
-          <a:bodyPr/>
-          <a:lstStyle/>
-          <a:p>
-            <a:r>
-              <a:rPr kumimoji="1" lang="ja-JP" altLang="en-US" dirty="0" smtClean="0"/>
-              <a:t>教訓</a:t>
-            </a:r>
-            <a:endParaRPr kumimoji="1" lang="ja-JP" altLang="en-US" dirty="0"/>
-          </a:p>
-        </p:txBody>
-      </p:sp>
-      <p:sp>
-        <p:nvSpPr>
-          <p:cNvPr id="3" name="コンテンツ プレースホルダー 2"/>
-          <p:cNvSpPr>
-            <a:spLocks noGrp="1"/>
-          </p:cNvSpPr>
-          <p:nvPr>
-            <p:ph idx="1"/>
-          </p:nvPr>
-        </p:nvSpPr>
-        <p:spPr/>
-        <p:txBody>
-          <a:bodyPr/>
-          <a:lstStyle/>
-          <a:p>
-            <a:r>
-              <a:rPr kumimoji="1" lang="ja-JP" altLang="en-US" dirty="0" smtClean="0"/>
-              <a:t>関係する全てのステークホルダが参加する開発体制，コミュニケーション体制を確立し，確実に運営する</a:t>
-            </a:r>
-            <a:endParaRPr kumimoji="1" lang="en-US" altLang="ja-JP" dirty="0" smtClean="0"/>
-          </a:p>
-          <a:p>
-            <a:r>
-              <a:rPr lang="ja-JP" altLang="en-US" dirty="0" smtClean="0"/>
-              <a:t>コンセプトの具体的な開発と実用化については，行政が関わらず</a:t>
-            </a:r>
-            <a:r>
-              <a:rPr lang="ja-JP" altLang="en-US" dirty="0"/>
-              <a:t>民間の</a:t>
-            </a:r>
-            <a:r>
-              <a:rPr lang="ja-JP" altLang="en-US" dirty="0" smtClean="0"/>
-              <a:t>力を活用し，業界に委ねる</a:t>
-            </a:r>
-            <a:endParaRPr lang="en-US" altLang="ja-JP" dirty="0" smtClean="0"/>
-          </a:p>
-          <a:p>
-            <a:r>
-              <a:rPr kumimoji="1" lang="ja-JP" altLang="en-US" dirty="0" smtClean="0"/>
-              <a:t>スコープは，全てのステークホルダが理解でき，プロジェクトの推進に参画できる明確なものとする</a:t>
-            </a:r>
-            <a:endParaRPr kumimoji="1" lang="en-US" altLang="ja-JP" dirty="0" smtClean="0"/>
-          </a:p>
-          <a:p>
-            <a:r>
-              <a:rPr lang="ja-JP" altLang="en-US" dirty="0"/>
-              <a:t>検討方法</a:t>
-            </a:r>
-            <a:r>
-              <a:rPr lang="ja-JP" altLang="en-US" dirty="0" smtClean="0"/>
-              <a:t>や技術的に観て合理的なフェーズの切り分けを行い，確実に実行する</a:t>
-            </a:r>
-            <a:endParaRPr lang="en-US" altLang="ja-JP" dirty="0" smtClean="0"/>
-          </a:p>
-          <a:p>
-            <a:r>
-              <a:rPr kumimoji="1" lang="ja-JP" altLang="en-US" dirty="0" smtClean="0"/>
-              <a:t>組織の意思決定過程や運営を組織メンバーに公開し，透明な運営を行う</a:t>
-            </a:r>
-            <a:endParaRPr kumimoji="1" lang="ja-JP" altLang="en-US" dirty="0"/>
-          </a:p>
-        </p:txBody>
-      </p:sp>
-      <p:sp>
-        <p:nvSpPr>
-          <p:cNvPr id="4" name="スライド番号プレースホルダー 3"/>
-          <p:cNvSpPr>
-            <a:spLocks noGrp="1"/>
-          </p:cNvSpPr>
-          <p:nvPr>
-            <p:ph type="sldNum" sz="quarter" idx="12"/>
-          </p:nvPr>
-        </p:nvSpPr>
-        <p:spPr/>
-        <p:txBody>
-          <a:bodyPr/>
-          <a:lstStyle/>
-          <a:p>
-            <a:fld id="{A4E6642C-D3C9-4DC2-8962-09BE970CAC7A}" type="slidenum">
-              <a:rPr kumimoji="1" lang="ja-JP" altLang="en-US" smtClean="0"/>
-              <a:t>9</a:t>
-            </a:fld>
-            <a:endParaRPr kumimoji="1" lang="ja-JP" altLang="en-US"/>
-          </a:p>
-        </p:txBody>
-      </p:sp>
-    </p:spTree>
-    <p:extLst>
-      <p:ext uri="{BB962C8B-B14F-4D97-AF65-F5344CB8AC3E}">
-        <p14:creationId xmlns:p14="http://schemas.microsoft.com/office/powerpoint/2010/main" val="1275999467"/>
+        <p14:creationId xmlns:p14="http://schemas.microsoft.com/office/powerpoint/2010/main" val="1656809260"/>
       </p:ext>
     </p:extLst>
   </p:cSld>
@@ -7076,7 +6858,7 @@
   <a:extraClrSchemeLst/>
   <a:extLst>
     <a:ext uri="{05A4C25C-085E-4340-85A3-A5531E510DB2}">
-      <thm15:themeFamily xmlns:thm15="http://schemas.microsoft.com/office/thememl/2012/main" xmlns="" name="Retrospect" id="{5F128B03-DCCA-4EEB-AB3B-CF2899314A46}" vid="{3F1AAB62-24C6-49D2-8E01-B56FAC9A3DCD}"/>
+      <thm15:themeFamily xmlns:thm15="http://schemas.microsoft.com/office/thememl/2012/main" name="Retrospect" id="{5F128B03-DCCA-4EEB-AB3B-CF2899314A46}" vid="{3F1AAB62-24C6-49D2-8E01-B56FAC9A3DCD}"/>
     </a:ext>
   </a:extLst>
 </a:theme>
@@ -7337,7 +7119,7 @@
   <a:extraClrSchemeLst/>
   <a:extLst>
     <a:ext uri="{05A4C25C-085E-4340-85A3-A5531E510DB2}">
-      <thm15:themeFamily xmlns:thm15="http://schemas.microsoft.com/office/thememl/2012/main" xmlns="" name="Office Theme" id="{62F939B6-93AF-4DB8-9C6B-D6C7DFDC589F}" vid="{4A3C46E8-61CC-4603-A589-7422A47A8E4A}"/>
+      <thm15:themeFamily xmlns:thm15="http://schemas.microsoft.com/office/thememl/2012/main" name="Office Theme" id="{62F939B6-93AF-4DB8-9C6B-D6C7DFDC589F}" vid="{4A3C46E8-61CC-4603-A589-7422A47A8E4A}"/>
     </a:ext>
   </a:extLst>
 </a:theme>
